--- a/CA1/PartB/Cifar100.pptx
+++ b/CA1/PartB/Cifar100.pptx
@@ -28,17 +28,17 @@
   <p:notesSz cx="6858000" cy="9144000"/>
   <p:embeddedFontLst>
     <p:embeddedFont>
-      <p:font typeface="Blinker" panose="020B0604020202020204" charset="0"/>
+      <p:font typeface="Blinker SemiBold" panose="020B0604020202020204" charset="0"/>
       <p:regular r:id="rId18"/>
       <p:bold r:id="rId19"/>
     </p:embeddedFont>
     <p:embeddedFont>
-      <p:font typeface="Big Shoulders Text Light" panose="020B0604020202020204" charset="0"/>
+      <p:font typeface="Blinker" panose="020B0604020202020204" charset="0"/>
       <p:regular r:id="rId20"/>
       <p:bold r:id="rId21"/>
     </p:embeddedFont>
     <p:embeddedFont>
-      <p:font typeface="Blinker SemiBold" panose="020B0604020202020204" charset="0"/>
+      <p:font typeface="Big Shoulders Text Light" panose="020B0604020202020204" charset="0"/>
       <p:regular r:id="rId22"/>
       <p:bold r:id="rId23"/>
     </p:embeddedFont>
@@ -45286,90 +45286,6 @@
           </a:p>
         </p:txBody>
       </p:sp>
-      <p:pic>
-        <p:nvPicPr>
-          <p:cNvPr id="1011" name="Google Shape;1011;p53"/>
-          <p:cNvPicPr preferRelativeResize="0"/>
-          <p:nvPr/>
-        </p:nvPicPr>
-        <p:blipFill>
-          <a:blip r:embed="rId3">
-            <a:alphaModFix/>
-          </a:blip>
-          <a:stretch>
-            <a:fillRect/>
-          </a:stretch>
-        </p:blipFill>
-        <p:spPr>
-          <a:xfrm>
-            <a:off x="152400" y="984400"/>
-            <a:ext cx="3358838" cy="2918365"/>
-          </a:xfrm>
-          <a:prstGeom prst="rect">
-            <a:avLst/>
-          </a:prstGeom>
-          <a:noFill/>
-          <a:ln>
-            <a:noFill/>
-          </a:ln>
-        </p:spPr>
-      </p:pic>
-      <p:pic>
-        <p:nvPicPr>
-          <p:cNvPr id="5" name="Google Shape;1018;p54"/>
-          <p:cNvPicPr preferRelativeResize="0"/>
-          <p:nvPr/>
-        </p:nvPicPr>
-        <p:blipFill>
-          <a:blip r:embed="rId4">
-            <a:alphaModFix/>
-          </a:blip>
-          <a:stretch>
-            <a:fillRect/>
-          </a:stretch>
-        </p:blipFill>
-        <p:spPr>
-          <a:xfrm>
-            <a:off x="123187" y="3955626"/>
-            <a:ext cx="4017472" cy="1102157"/>
-          </a:xfrm>
-          <a:prstGeom prst="rect">
-            <a:avLst/>
-          </a:prstGeom>
-          <a:noFill/>
-          <a:ln>
-            <a:noFill/>
-          </a:ln>
-        </p:spPr>
-      </p:pic>
-      <p:pic>
-        <p:nvPicPr>
-          <p:cNvPr id="6" name="Google Shape;1023;p55"/>
-          <p:cNvPicPr preferRelativeResize="0"/>
-          <p:nvPr/>
-        </p:nvPicPr>
-        <p:blipFill>
-          <a:blip r:embed="rId5">
-            <a:alphaModFix/>
-          </a:blip>
-          <a:stretch>
-            <a:fillRect/>
-          </a:stretch>
-        </p:blipFill>
-        <p:spPr>
-          <a:xfrm>
-            <a:off x="3511238" y="931539"/>
-            <a:ext cx="3935398" cy="2806589"/>
-          </a:xfrm>
-          <a:prstGeom prst="rect">
-            <a:avLst/>
-          </a:prstGeom>
-          <a:noFill/>
-          <a:ln>
-            <a:noFill/>
-          </a:ln>
-        </p:spPr>
-      </p:pic>
       <p:sp>
         <p:nvSpPr>
           <p:cNvPr id="7" name="TextBox 6"/>
@@ -45378,7 +45294,7 @@
         </p:nvSpPr>
         <p:spPr>
           <a:xfrm>
-            <a:off x="4140658" y="4110671"/>
+            <a:off x="3873276" y="3944334"/>
             <a:ext cx="4572645" cy="738664"/>
           </a:xfrm>
           <a:prstGeom prst="rect">
@@ -45398,7 +45314,15 @@
                   <a:schemeClr val="bg1"/>
                 </a:solidFill>
               </a:rPr>
-              <a:t>The highest test accuracy achieved for this model is 67% but I re-ran the model so the accuracy decreased to 65%</a:t>
+              <a:t>The highest test accuracy achieved for this model is 67% but I re-ran the model so the accuracy decreased to </a:t>
+            </a:r>
+            <a:r>
+              <a:rPr lang="en-US" dirty="0" smtClean="0">
+                <a:solidFill>
+                  <a:schemeClr val="bg1"/>
+                </a:solidFill>
+              </a:rPr>
+              <a:t>66.43%</a:t>
             </a:r>
             <a:endParaRPr lang="en-US" dirty="0">
               <a:solidFill>
@@ -45408,6 +45332,78 @@
           </a:p>
         </p:txBody>
       </p:sp>
+      <p:pic>
+        <p:nvPicPr>
+          <p:cNvPr id="2" name="Picture 1"/>
+          <p:cNvPicPr>
+            <a:picLocks noChangeAspect="1"/>
+          </p:cNvPicPr>
+          <p:nvPr/>
+        </p:nvPicPr>
+        <p:blipFill>
+          <a:blip r:embed="rId3"/>
+          <a:stretch>
+            <a:fillRect/>
+          </a:stretch>
+        </p:blipFill>
+        <p:spPr>
+          <a:xfrm>
+            <a:off x="92765" y="543763"/>
+            <a:ext cx="3192251" cy="3285592"/>
+          </a:xfrm>
+          <a:prstGeom prst="rect">
+            <a:avLst/>
+          </a:prstGeom>
+        </p:spPr>
+      </p:pic>
+      <p:pic>
+        <p:nvPicPr>
+          <p:cNvPr id="3" name="Picture 2"/>
+          <p:cNvPicPr>
+            <a:picLocks noChangeAspect="1"/>
+          </p:cNvPicPr>
+          <p:nvPr/>
+        </p:nvPicPr>
+        <p:blipFill>
+          <a:blip r:embed="rId4"/>
+          <a:stretch>
+            <a:fillRect/>
+          </a:stretch>
+        </p:blipFill>
+        <p:spPr>
+          <a:xfrm>
+            <a:off x="148444" y="3944334"/>
+            <a:ext cx="3362794" cy="905001"/>
+          </a:xfrm>
+          <a:prstGeom prst="rect">
+            <a:avLst/>
+          </a:prstGeom>
+        </p:spPr>
+      </p:pic>
+      <p:pic>
+        <p:nvPicPr>
+          <p:cNvPr id="4" name="Picture 3"/>
+          <p:cNvPicPr>
+            <a:picLocks noChangeAspect="1"/>
+          </p:cNvPicPr>
+          <p:nvPr/>
+        </p:nvPicPr>
+        <p:blipFill>
+          <a:blip r:embed="rId5"/>
+          <a:stretch>
+            <a:fillRect/>
+          </a:stretch>
+        </p:blipFill>
+        <p:spPr>
+          <a:xfrm>
+            <a:off x="3943764" y="776255"/>
+            <a:ext cx="3843408" cy="2820608"/>
+          </a:xfrm>
+          <a:prstGeom prst="rect">
+            <a:avLst/>
+          </a:prstGeom>
+        </p:spPr>
+      </p:pic>
     </p:spTree>
   </p:cSld>
   <p:clrMapOvr>
@@ -46035,1846 +46031,6 @@
           </a:p>
         </p:txBody>
       </p:sp>
-      <p:sp>
-        <p:nvSpPr>
-          <p:cNvPr id="1066" name="Google Shape;1066;p61"/>
-          <p:cNvSpPr txBox="1">
-            <a:spLocks noGrp="1"/>
-          </p:cNvSpPr>
-          <p:nvPr>
-            <p:ph type="title" idx="2"/>
-          </p:nvPr>
-        </p:nvSpPr>
-        <p:spPr>
-          <a:xfrm>
-            <a:off x="2075750" y="1914548"/>
-            <a:ext cx="4992600" cy="1306200"/>
-          </a:xfrm>
-          <a:prstGeom prst="rect">
-            <a:avLst/>
-          </a:prstGeom>
-        </p:spPr>
-        <p:txBody>
-          <a:bodyPr spcFirstLastPara="1" wrap="square" lIns="91425" tIns="91425" rIns="91425" bIns="91425" anchor="ctr" anchorCtr="0">
-            <a:noAutofit/>
-          </a:bodyPr>
-          <a:lstStyle/>
-          <a:p>
-            <a:pPr marL="0" lvl="0" indent="0" algn="ctr" rtl="0">
-              <a:spcBef>
-                <a:spcPts val="0"/>
-              </a:spcBef>
-              <a:spcAft>
-                <a:spcPts val="0"/>
-              </a:spcAft>
-              <a:buNone/>
-            </a:pPr>
-            <a:r>
-              <a:rPr lang="en" sz="2000" b="1"/>
-              <a:t>Do you have any questions?</a:t>
-            </a:r>
-            <a:endParaRPr sz="2000" b="1"/>
-          </a:p>
-          <a:p>
-            <a:pPr marL="0" lvl="0" indent="0" algn="ctr" rtl="0">
-              <a:lnSpc>
-                <a:spcPct val="90000"/>
-              </a:lnSpc>
-              <a:spcBef>
-                <a:spcPts val="0"/>
-              </a:spcBef>
-              <a:spcAft>
-                <a:spcPts val="0"/>
-              </a:spcAft>
-              <a:buNone/>
-            </a:pPr>
-            <a:endParaRPr/>
-          </a:p>
-          <a:p>
-            <a:pPr marL="0" lvl="0" indent="0" algn="ctr" rtl="0">
-              <a:spcBef>
-                <a:spcPts val="0"/>
-              </a:spcBef>
-              <a:spcAft>
-                <a:spcPts val="0"/>
-              </a:spcAft>
-              <a:buNone/>
-            </a:pPr>
-            <a:r>
-              <a:rPr lang="en"/>
-              <a:t>youremail@freepik.com </a:t>
-            </a:r>
-            <a:endParaRPr/>
-          </a:p>
-          <a:p>
-            <a:pPr marL="0" lvl="0" indent="0" algn="ctr" rtl="0">
-              <a:spcBef>
-                <a:spcPts val="0"/>
-              </a:spcBef>
-              <a:spcAft>
-                <a:spcPts val="0"/>
-              </a:spcAft>
-              <a:buNone/>
-            </a:pPr>
-            <a:r>
-              <a:rPr lang="en"/>
-              <a:t>+91  620 421 838 </a:t>
-            </a:r>
-            <a:endParaRPr/>
-          </a:p>
-          <a:p>
-            <a:pPr marL="0" lvl="0" indent="0" algn="ctr" rtl="0">
-              <a:spcBef>
-                <a:spcPts val="0"/>
-              </a:spcBef>
-              <a:spcAft>
-                <a:spcPts val="0"/>
-              </a:spcAft>
-              <a:buNone/>
-            </a:pPr>
-            <a:r>
-              <a:rPr lang="en"/>
-              <a:t>yourcompany.com</a:t>
-            </a:r>
-            <a:endParaRPr/>
-          </a:p>
-        </p:txBody>
-      </p:sp>
-      <p:sp>
-        <p:nvSpPr>
-          <p:cNvPr id="1067" name="Google Shape;1067;p61"/>
-          <p:cNvSpPr txBox="1">
-            <a:spLocks noGrp="1"/>
-          </p:cNvSpPr>
-          <p:nvPr>
-            <p:ph type="title" idx="4294967295"/>
-          </p:nvPr>
-        </p:nvSpPr>
-        <p:spPr>
-          <a:xfrm>
-            <a:off x="3402500" y="4335267"/>
-            <a:ext cx="2339100" cy="195300"/>
-          </a:xfrm>
-          <a:prstGeom prst="rect">
-            <a:avLst/>
-          </a:prstGeom>
-        </p:spPr>
-        <p:txBody>
-          <a:bodyPr spcFirstLastPara="1" wrap="square" lIns="91425" tIns="91425" rIns="91425" bIns="91425" anchor="ctr" anchorCtr="0">
-            <a:noAutofit/>
-          </a:bodyPr>
-          <a:lstStyle/>
-          <a:p>
-            <a:pPr marL="0" lvl="0" indent="0" algn="ctr" rtl="0">
-              <a:spcBef>
-                <a:spcPts val="0"/>
-              </a:spcBef>
-              <a:spcAft>
-                <a:spcPts val="0"/>
-              </a:spcAft>
-              <a:buNone/>
-            </a:pPr>
-            <a:r>
-              <a:rPr lang="en" sz="1400">
-                <a:solidFill>
-                  <a:schemeClr val="lt1"/>
-                </a:solidFill>
-                <a:latin typeface="Big Shoulders Text Light"/>
-                <a:ea typeface="Big Shoulders Text Light"/>
-                <a:cs typeface="Big Shoulders Text Light"/>
-                <a:sym typeface="Big Shoulders Text Light"/>
-              </a:rPr>
-              <a:t>Please keep this slide for attribution.</a:t>
-            </a:r>
-            <a:endParaRPr sz="1400">
-              <a:solidFill>
-                <a:schemeClr val="lt1"/>
-              </a:solidFill>
-              <a:latin typeface="Big Shoulders Text Light"/>
-              <a:ea typeface="Big Shoulders Text Light"/>
-              <a:cs typeface="Big Shoulders Text Light"/>
-              <a:sym typeface="Big Shoulders Text Light"/>
-            </a:endParaRPr>
-          </a:p>
-        </p:txBody>
-      </p:sp>
-      <p:grpSp>
-        <p:nvGrpSpPr>
-          <p:cNvPr id="1068" name="Google Shape;1068;p61"/>
-          <p:cNvGrpSpPr/>
-          <p:nvPr/>
-        </p:nvGrpSpPr>
-        <p:grpSpPr>
-          <a:xfrm>
-            <a:off x="4398975" y="3378897"/>
-            <a:ext cx="346056" cy="345674"/>
-            <a:chOff x="4398975" y="3378897"/>
-            <a:chExt cx="346056" cy="345674"/>
-          </a:xfrm>
-        </p:grpSpPr>
-        <p:sp>
-          <p:nvSpPr>
-            <p:cNvPr id="1069" name="Google Shape;1069;p61"/>
-            <p:cNvSpPr/>
-            <p:nvPr/>
-          </p:nvSpPr>
-          <p:spPr>
-            <a:xfrm>
-              <a:off x="4398975" y="3378897"/>
-              <a:ext cx="346056" cy="345674"/>
-            </a:xfrm>
-            <a:custGeom>
-              <a:avLst/>
-              <a:gdLst/>
-              <a:ahLst/>
-              <a:cxnLst/>
-              <a:rect l="l" t="t" r="r" b="b"/>
-              <a:pathLst>
-                <a:path w="10872" h="10860" extrusionOk="0">
-                  <a:moveTo>
-                    <a:pt x="5430" y="334"/>
-                  </a:moveTo>
-                  <a:cubicBezTo>
-                    <a:pt x="8252" y="334"/>
-                    <a:pt x="10526" y="2608"/>
-                    <a:pt x="10526" y="5430"/>
-                  </a:cubicBezTo>
-                  <a:cubicBezTo>
-                    <a:pt x="10526" y="8240"/>
-                    <a:pt x="8228" y="10514"/>
-                    <a:pt x="5430" y="10514"/>
-                  </a:cubicBezTo>
-                  <a:cubicBezTo>
-                    <a:pt x="2620" y="10514"/>
-                    <a:pt x="346" y="8240"/>
-                    <a:pt x="346" y="5430"/>
-                  </a:cubicBezTo>
-                  <a:cubicBezTo>
-                    <a:pt x="346" y="2608"/>
-                    <a:pt x="2620" y="334"/>
-                    <a:pt x="5430" y="334"/>
-                  </a:cubicBezTo>
-                  <a:close/>
-                  <a:moveTo>
-                    <a:pt x="5430" y="1"/>
-                  </a:moveTo>
-                  <a:cubicBezTo>
-                    <a:pt x="3989" y="1"/>
-                    <a:pt x="2620" y="560"/>
-                    <a:pt x="1596" y="1584"/>
-                  </a:cubicBezTo>
-                  <a:cubicBezTo>
-                    <a:pt x="572" y="2620"/>
-                    <a:pt x="1" y="3989"/>
-                    <a:pt x="1" y="5430"/>
-                  </a:cubicBezTo>
-                  <a:cubicBezTo>
-                    <a:pt x="1" y="6871"/>
-                    <a:pt x="572" y="8240"/>
-                    <a:pt x="1596" y="9264"/>
-                  </a:cubicBezTo>
-                  <a:cubicBezTo>
-                    <a:pt x="2620" y="10300"/>
-                    <a:pt x="3989" y="10859"/>
-                    <a:pt x="5430" y="10859"/>
-                  </a:cubicBezTo>
-                  <a:cubicBezTo>
-                    <a:pt x="6882" y="10859"/>
-                    <a:pt x="8252" y="10300"/>
-                    <a:pt x="9276" y="9264"/>
-                  </a:cubicBezTo>
-                  <a:cubicBezTo>
-                    <a:pt x="10300" y="8240"/>
-                    <a:pt x="10871" y="6871"/>
-                    <a:pt x="10871" y="5430"/>
-                  </a:cubicBezTo>
-                  <a:cubicBezTo>
-                    <a:pt x="10871" y="3989"/>
-                    <a:pt x="10300" y="2620"/>
-                    <a:pt x="9276" y="1584"/>
-                  </a:cubicBezTo>
-                  <a:cubicBezTo>
-                    <a:pt x="8252" y="560"/>
-                    <a:pt x="6882" y="1"/>
-                    <a:pt x="5430" y="1"/>
-                  </a:cubicBezTo>
-                  <a:close/>
-                </a:path>
-              </a:pathLst>
-            </a:custGeom>
-            <a:solidFill>
-              <a:schemeClr val="accent2"/>
-            </a:solidFill>
-            <a:ln>
-              <a:noFill/>
-            </a:ln>
-            <a:effectLst>
-              <a:outerShdw blurRad="57150" algn="bl" rotWithShape="0">
-                <a:schemeClr val="accent1">
-                  <a:alpha val="90000"/>
-                </a:schemeClr>
-              </a:outerShdw>
-            </a:effectLst>
-          </p:spPr>
-          <p:txBody>
-            <a:bodyPr spcFirstLastPara="1" wrap="square" lIns="91425" tIns="91425" rIns="91425" bIns="91425" anchor="ctr" anchorCtr="0">
-              <a:noAutofit/>
-            </a:bodyPr>
-            <a:lstStyle/>
-            <a:p>
-              <a:pPr marL="0" lvl="0" indent="0" algn="l" rtl="0">
-                <a:spcBef>
-                  <a:spcPts val="0"/>
-                </a:spcBef>
-                <a:spcAft>
-                  <a:spcPts val="0"/>
-                </a:spcAft>
-                <a:buNone/>
-              </a:pPr>
-              <a:endParaRPr/>
-            </a:p>
-          </p:txBody>
-        </p:sp>
-        <p:sp>
-          <p:nvSpPr>
-            <p:cNvPr id="1070" name="Google Shape;1070;p61"/>
-            <p:cNvSpPr/>
-            <p:nvPr/>
-          </p:nvSpPr>
-          <p:spPr>
-            <a:xfrm>
-              <a:off x="4478550" y="3517230"/>
-              <a:ext cx="47809" cy="120540"/>
-            </a:xfrm>
-            <a:custGeom>
-              <a:avLst/>
-              <a:gdLst/>
-              <a:ahLst/>
-              <a:cxnLst/>
-              <a:rect l="l" t="t" r="r" b="b"/>
-              <a:pathLst>
-                <a:path w="1502" h="3787" extrusionOk="0">
-                  <a:moveTo>
-                    <a:pt x="1168" y="346"/>
-                  </a:moveTo>
-                  <a:lnTo>
-                    <a:pt x="1168" y="3430"/>
-                  </a:lnTo>
-                  <a:lnTo>
-                    <a:pt x="358" y="3430"/>
-                  </a:lnTo>
-                  <a:lnTo>
-                    <a:pt x="358" y="346"/>
-                  </a:lnTo>
-                  <a:close/>
-                  <a:moveTo>
-                    <a:pt x="180" y="1"/>
-                  </a:moveTo>
-                  <a:cubicBezTo>
-                    <a:pt x="96" y="1"/>
-                    <a:pt x="1" y="72"/>
-                    <a:pt x="1" y="179"/>
-                  </a:cubicBezTo>
-                  <a:lnTo>
-                    <a:pt x="1" y="3608"/>
-                  </a:lnTo>
-                  <a:cubicBezTo>
-                    <a:pt x="1" y="3703"/>
-                    <a:pt x="72" y="3787"/>
-                    <a:pt x="180" y="3787"/>
-                  </a:cubicBezTo>
-                  <a:lnTo>
-                    <a:pt x="1323" y="3787"/>
-                  </a:lnTo>
-                  <a:cubicBezTo>
-                    <a:pt x="1418" y="3787"/>
-                    <a:pt x="1501" y="3715"/>
-                    <a:pt x="1501" y="3608"/>
-                  </a:cubicBezTo>
-                  <a:lnTo>
-                    <a:pt x="1501" y="179"/>
-                  </a:lnTo>
-                  <a:cubicBezTo>
-                    <a:pt x="1501" y="72"/>
-                    <a:pt x="1430" y="1"/>
-                    <a:pt x="1323" y="1"/>
-                  </a:cubicBezTo>
-                  <a:close/>
-                </a:path>
-              </a:pathLst>
-            </a:custGeom>
-            <a:solidFill>
-              <a:schemeClr val="accent2"/>
-            </a:solidFill>
-            <a:ln>
-              <a:noFill/>
-            </a:ln>
-            <a:effectLst>
-              <a:outerShdw blurRad="57150" algn="bl" rotWithShape="0">
-                <a:schemeClr val="accent1">
-                  <a:alpha val="90000"/>
-                </a:schemeClr>
-              </a:outerShdw>
-            </a:effectLst>
-          </p:spPr>
-          <p:txBody>
-            <a:bodyPr spcFirstLastPara="1" wrap="square" lIns="91425" tIns="91425" rIns="91425" bIns="91425" anchor="ctr" anchorCtr="0">
-              <a:noAutofit/>
-            </a:bodyPr>
-            <a:lstStyle/>
-            <a:p>
-              <a:pPr marL="0" lvl="0" indent="0" algn="l" rtl="0">
-                <a:spcBef>
-                  <a:spcPts val="0"/>
-                </a:spcBef>
-                <a:spcAft>
-                  <a:spcPts val="0"/>
-                </a:spcAft>
-                <a:buNone/>
-              </a:pPr>
-              <a:endParaRPr/>
-            </a:p>
-          </p:txBody>
-        </p:sp>
-        <p:sp>
-          <p:nvSpPr>
-            <p:cNvPr id="1071" name="Google Shape;1071;p61"/>
-            <p:cNvSpPr/>
-            <p:nvPr/>
-          </p:nvSpPr>
-          <p:spPr>
-            <a:xfrm>
-              <a:off x="4471356" y="3451661"/>
-              <a:ext cx="55002" cy="55002"/>
-            </a:xfrm>
-            <a:custGeom>
-              <a:avLst/>
-              <a:gdLst/>
-              <a:ahLst/>
-              <a:cxnLst/>
-              <a:rect l="l" t="t" r="r" b="b"/>
-              <a:pathLst>
-                <a:path w="1728" h="1728" extrusionOk="0">
-                  <a:moveTo>
-                    <a:pt x="870" y="334"/>
-                  </a:moveTo>
-                  <a:cubicBezTo>
-                    <a:pt x="1156" y="334"/>
-                    <a:pt x="1394" y="572"/>
-                    <a:pt x="1394" y="846"/>
-                  </a:cubicBezTo>
-                  <a:cubicBezTo>
-                    <a:pt x="1394" y="1132"/>
-                    <a:pt x="1156" y="1370"/>
-                    <a:pt x="870" y="1370"/>
-                  </a:cubicBezTo>
-                  <a:cubicBezTo>
-                    <a:pt x="584" y="1370"/>
-                    <a:pt x="346" y="1132"/>
-                    <a:pt x="346" y="846"/>
-                  </a:cubicBezTo>
-                  <a:cubicBezTo>
-                    <a:pt x="346" y="572"/>
-                    <a:pt x="584" y="334"/>
-                    <a:pt x="870" y="334"/>
-                  </a:cubicBezTo>
-                  <a:close/>
-                  <a:moveTo>
-                    <a:pt x="870" y="1"/>
-                  </a:moveTo>
-                  <a:cubicBezTo>
-                    <a:pt x="394" y="1"/>
-                    <a:pt x="1" y="394"/>
-                    <a:pt x="1" y="870"/>
-                  </a:cubicBezTo>
-                  <a:cubicBezTo>
-                    <a:pt x="1" y="1346"/>
-                    <a:pt x="394" y="1727"/>
-                    <a:pt x="870" y="1727"/>
-                  </a:cubicBezTo>
-                  <a:cubicBezTo>
-                    <a:pt x="1346" y="1727"/>
-                    <a:pt x="1727" y="1334"/>
-                    <a:pt x="1727" y="870"/>
-                  </a:cubicBezTo>
-                  <a:cubicBezTo>
-                    <a:pt x="1727" y="394"/>
-                    <a:pt x="1346" y="1"/>
-                    <a:pt x="870" y="1"/>
-                  </a:cubicBezTo>
-                  <a:close/>
-                </a:path>
-              </a:pathLst>
-            </a:custGeom>
-            <a:solidFill>
-              <a:schemeClr val="accent2"/>
-            </a:solidFill>
-            <a:ln>
-              <a:noFill/>
-            </a:ln>
-            <a:effectLst>
-              <a:outerShdw blurRad="57150" algn="bl" rotWithShape="0">
-                <a:schemeClr val="accent1">
-                  <a:alpha val="90000"/>
-                </a:schemeClr>
-              </a:outerShdw>
-            </a:effectLst>
-          </p:spPr>
-          <p:txBody>
-            <a:bodyPr spcFirstLastPara="1" wrap="square" lIns="91425" tIns="91425" rIns="91425" bIns="91425" anchor="ctr" anchorCtr="0">
-              <a:noAutofit/>
-            </a:bodyPr>
-            <a:lstStyle/>
-            <a:p>
-              <a:pPr marL="0" lvl="0" indent="0" algn="l" rtl="0">
-                <a:spcBef>
-                  <a:spcPts val="0"/>
-                </a:spcBef>
-                <a:spcAft>
-                  <a:spcPts val="0"/>
-                </a:spcAft>
-                <a:buNone/>
-              </a:pPr>
-              <a:endParaRPr/>
-            </a:p>
-          </p:txBody>
-        </p:sp>
-        <p:sp>
-          <p:nvSpPr>
-            <p:cNvPr id="1072" name="Google Shape;1072;p61"/>
-            <p:cNvSpPr/>
-            <p:nvPr/>
-          </p:nvSpPr>
-          <p:spPr>
-            <a:xfrm>
-              <a:off x="4551313" y="3517230"/>
-              <a:ext cx="128148" cy="120540"/>
-            </a:xfrm>
-            <a:custGeom>
-              <a:avLst/>
-              <a:gdLst/>
-              <a:ahLst/>
-              <a:cxnLst/>
-              <a:rect l="l" t="t" r="r" b="b"/>
-              <a:pathLst>
-                <a:path w="4026" h="3787" extrusionOk="0">
-                  <a:moveTo>
-                    <a:pt x="191" y="1"/>
-                  </a:moveTo>
-                  <a:cubicBezTo>
-                    <a:pt x="96" y="1"/>
-                    <a:pt x="1" y="72"/>
-                    <a:pt x="1" y="179"/>
-                  </a:cubicBezTo>
-                  <a:lnTo>
-                    <a:pt x="1" y="3608"/>
-                  </a:lnTo>
-                  <a:cubicBezTo>
-                    <a:pt x="1" y="3703"/>
-                    <a:pt x="84" y="3787"/>
-                    <a:pt x="191" y="3787"/>
-                  </a:cubicBezTo>
-                  <a:lnTo>
-                    <a:pt x="1334" y="3787"/>
-                  </a:lnTo>
-                  <a:cubicBezTo>
-                    <a:pt x="1418" y="3787"/>
-                    <a:pt x="1513" y="3715"/>
-                    <a:pt x="1513" y="3608"/>
-                  </a:cubicBezTo>
-                  <a:lnTo>
-                    <a:pt x="1513" y="2382"/>
-                  </a:lnTo>
-                  <a:cubicBezTo>
-                    <a:pt x="1513" y="1977"/>
-                    <a:pt x="1596" y="1501"/>
-                    <a:pt x="2037" y="1501"/>
-                  </a:cubicBezTo>
-                  <a:cubicBezTo>
-                    <a:pt x="2347" y="1501"/>
-                    <a:pt x="2477" y="1763"/>
-                    <a:pt x="2525" y="2060"/>
-                  </a:cubicBezTo>
-                  <a:cubicBezTo>
-                    <a:pt x="2537" y="2156"/>
-                    <a:pt x="2608" y="2215"/>
-                    <a:pt x="2692" y="2215"/>
-                  </a:cubicBezTo>
-                  <a:cubicBezTo>
-                    <a:pt x="2787" y="2215"/>
-                    <a:pt x="2870" y="2120"/>
-                    <a:pt x="2847" y="2025"/>
-                  </a:cubicBezTo>
-                  <a:cubicBezTo>
-                    <a:pt x="2763" y="1465"/>
-                    <a:pt x="2477" y="1155"/>
-                    <a:pt x="2013" y="1155"/>
-                  </a:cubicBezTo>
-                  <a:cubicBezTo>
-                    <a:pt x="1465" y="1155"/>
-                    <a:pt x="1156" y="1608"/>
-                    <a:pt x="1156" y="2382"/>
-                  </a:cubicBezTo>
-                  <a:lnTo>
-                    <a:pt x="1156" y="3430"/>
-                  </a:lnTo>
-                  <a:lnTo>
-                    <a:pt x="346" y="3430"/>
-                  </a:lnTo>
-                  <a:lnTo>
-                    <a:pt x="346" y="358"/>
-                  </a:lnTo>
-                  <a:lnTo>
-                    <a:pt x="918" y="358"/>
-                  </a:lnTo>
-                  <a:lnTo>
-                    <a:pt x="918" y="572"/>
-                  </a:lnTo>
-                  <a:cubicBezTo>
-                    <a:pt x="918" y="632"/>
-                    <a:pt x="930" y="679"/>
-                    <a:pt x="977" y="715"/>
-                  </a:cubicBezTo>
-                  <a:cubicBezTo>
-                    <a:pt x="1007" y="733"/>
-                    <a:pt x="1043" y="742"/>
-                    <a:pt x="1078" y="742"/>
-                  </a:cubicBezTo>
-                  <a:cubicBezTo>
-                    <a:pt x="1114" y="742"/>
-                    <a:pt x="1150" y="733"/>
-                    <a:pt x="1180" y="715"/>
-                  </a:cubicBezTo>
-                  <a:cubicBezTo>
-                    <a:pt x="1477" y="477"/>
-                    <a:pt x="1835" y="358"/>
-                    <a:pt x="2227" y="358"/>
-                  </a:cubicBezTo>
-                  <a:cubicBezTo>
-                    <a:pt x="3204" y="358"/>
-                    <a:pt x="3656" y="1191"/>
-                    <a:pt x="3656" y="2001"/>
-                  </a:cubicBezTo>
-                  <a:lnTo>
-                    <a:pt x="3656" y="3430"/>
-                  </a:lnTo>
-                  <a:lnTo>
-                    <a:pt x="2847" y="3430"/>
-                  </a:lnTo>
-                  <a:lnTo>
-                    <a:pt x="2847" y="2870"/>
-                  </a:lnTo>
-                  <a:cubicBezTo>
-                    <a:pt x="2847" y="2775"/>
-                    <a:pt x="2775" y="2703"/>
-                    <a:pt x="2692" y="2703"/>
-                  </a:cubicBezTo>
-                  <a:cubicBezTo>
-                    <a:pt x="2597" y="2703"/>
-                    <a:pt x="2525" y="2775"/>
-                    <a:pt x="2525" y="2870"/>
-                  </a:cubicBezTo>
-                  <a:lnTo>
-                    <a:pt x="2525" y="3596"/>
-                  </a:lnTo>
-                  <a:cubicBezTo>
-                    <a:pt x="2525" y="3691"/>
-                    <a:pt x="2597" y="3775"/>
-                    <a:pt x="2704" y="3775"/>
-                  </a:cubicBezTo>
-                  <a:lnTo>
-                    <a:pt x="3847" y="3775"/>
-                  </a:lnTo>
-                  <a:cubicBezTo>
-                    <a:pt x="3942" y="3775"/>
-                    <a:pt x="4025" y="3703"/>
-                    <a:pt x="4025" y="3596"/>
-                  </a:cubicBezTo>
-                  <a:lnTo>
-                    <a:pt x="4025" y="1989"/>
-                  </a:lnTo>
-                  <a:cubicBezTo>
-                    <a:pt x="4025" y="810"/>
-                    <a:pt x="3299" y="1"/>
-                    <a:pt x="2239" y="1"/>
-                  </a:cubicBezTo>
-                  <a:cubicBezTo>
-                    <a:pt x="1894" y="1"/>
-                    <a:pt x="1573" y="84"/>
-                    <a:pt x="1275" y="251"/>
-                  </a:cubicBezTo>
-                  <a:lnTo>
-                    <a:pt x="1275" y="179"/>
-                  </a:lnTo>
-                  <a:cubicBezTo>
-                    <a:pt x="1275" y="84"/>
-                    <a:pt x="1204" y="1"/>
-                    <a:pt x="1096" y="1"/>
-                  </a:cubicBezTo>
-                  <a:close/>
-                </a:path>
-              </a:pathLst>
-            </a:custGeom>
-            <a:solidFill>
-              <a:schemeClr val="accent2"/>
-            </a:solidFill>
-            <a:ln>
-              <a:noFill/>
-            </a:ln>
-            <a:effectLst>
-              <a:outerShdw blurRad="57150" algn="bl" rotWithShape="0">
-                <a:schemeClr val="accent1">
-                  <a:alpha val="90000"/>
-                </a:schemeClr>
-              </a:outerShdw>
-            </a:effectLst>
-          </p:spPr>
-          <p:txBody>
-            <a:bodyPr spcFirstLastPara="1" wrap="square" lIns="91425" tIns="91425" rIns="91425" bIns="91425" anchor="ctr" anchorCtr="0">
-              <a:noAutofit/>
-            </a:bodyPr>
-            <a:lstStyle/>
-            <a:p>
-              <a:pPr marL="0" lvl="0" indent="0" algn="l" rtl="0">
-                <a:spcBef>
-                  <a:spcPts val="0"/>
-                </a:spcBef>
-                <a:spcAft>
-                  <a:spcPts val="0"/>
-                </a:spcAft>
-                <a:buNone/>
-              </a:pPr>
-              <a:endParaRPr/>
-            </a:p>
-          </p:txBody>
-        </p:sp>
-      </p:grpSp>
-      <p:grpSp>
-        <p:nvGrpSpPr>
-          <p:cNvPr id="1073" name="Google Shape;1073;p61"/>
-          <p:cNvGrpSpPr/>
-          <p:nvPr/>
-        </p:nvGrpSpPr>
-        <p:grpSpPr>
-          <a:xfrm>
-            <a:off x="4917762" y="3378897"/>
-            <a:ext cx="346024" cy="345674"/>
-            <a:chOff x="4917762" y="3378897"/>
-            <a:chExt cx="346024" cy="345674"/>
-          </a:xfrm>
-        </p:grpSpPr>
-        <p:sp>
-          <p:nvSpPr>
-            <p:cNvPr id="1074" name="Google Shape;1074;p61"/>
-            <p:cNvSpPr/>
-            <p:nvPr/>
-          </p:nvSpPr>
-          <p:spPr>
-            <a:xfrm>
-              <a:off x="4917762" y="3378897"/>
-              <a:ext cx="346024" cy="345674"/>
-            </a:xfrm>
-            <a:custGeom>
-              <a:avLst/>
-              <a:gdLst/>
-              <a:ahLst/>
-              <a:cxnLst/>
-              <a:rect l="l" t="t" r="r" b="b"/>
-              <a:pathLst>
-                <a:path w="10871" h="10860" extrusionOk="0">
-                  <a:moveTo>
-                    <a:pt x="5442" y="334"/>
-                  </a:moveTo>
-                  <a:cubicBezTo>
-                    <a:pt x="8251" y="334"/>
-                    <a:pt x="10526" y="2608"/>
-                    <a:pt x="10526" y="5430"/>
-                  </a:cubicBezTo>
-                  <a:cubicBezTo>
-                    <a:pt x="10526" y="8240"/>
-                    <a:pt x="8240" y="10514"/>
-                    <a:pt x="5442" y="10514"/>
-                  </a:cubicBezTo>
-                  <a:cubicBezTo>
-                    <a:pt x="2620" y="10514"/>
-                    <a:pt x="346" y="8240"/>
-                    <a:pt x="346" y="5430"/>
-                  </a:cubicBezTo>
-                  <a:cubicBezTo>
-                    <a:pt x="346" y="2608"/>
-                    <a:pt x="2620" y="334"/>
-                    <a:pt x="5442" y="334"/>
-                  </a:cubicBezTo>
-                  <a:close/>
-                  <a:moveTo>
-                    <a:pt x="5442" y="1"/>
-                  </a:moveTo>
-                  <a:cubicBezTo>
-                    <a:pt x="3989" y="1"/>
-                    <a:pt x="2620" y="560"/>
-                    <a:pt x="1596" y="1584"/>
-                  </a:cubicBezTo>
-                  <a:cubicBezTo>
-                    <a:pt x="572" y="2620"/>
-                    <a:pt x="0" y="3989"/>
-                    <a:pt x="0" y="5430"/>
-                  </a:cubicBezTo>
-                  <a:cubicBezTo>
-                    <a:pt x="0" y="6871"/>
-                    <a:pt x="572" y="8240"/>
-                    <a:pt x="1596" y="9264"/>
-                  </a:cubicBezTo>
-                  <a:cubicBezTo>
-                    <a:pt x="2620" y="10300"/>
-                    <a:pt x="3989" y="10859"/>
-                    <a:pt x="5442" y="10859"/>
-                  </a:cubicBezTo>
-                  <a:cubicBezTo>
-                    <a:pt x="6882" y="10859"/>
-                    <a:pt x="8251" y="10300"/>
-                    <a:pt x="9275" y="9264"/>
-                  </a:cubicBezTo>
-                  <a:cubicBezTo>
-                    <a:pt x="10299" y="8240"/>
-                    <a:pt x="10871" y="6871"/>
-                    <a:pt x="10871" y="5430"/>
-                  </a:cubicBezTo>
-                  <a:cubicBezTo>
-                    <a:pt x="10871" y="3989"/>
-                    <a:pt x="10299" y="2620"/>
-                    <a:pt x="9275" y="1584"/>
-                  </a:cubicBezTo>
-                  <a:cubicBezTo>
-                    <a:pt x="8251" y="560"/>
-                    <a:pt x="6882" y="1"/>
-                    <a:pt x="5442" y="1"/>
-                  </a:cubicBezTo>
-                  <a:close/>
-                </a:path>
-              </a:pathLst>
-            </a:custGeom>
-            <a:solidFill>
-              <a:schemeClr val="accent6"/>
-            </a:solidFill>
-            <a:ln>
-              <a:noFill/>
-            </a:ln>
-            <a:effectLst>
-              <a:outerShdw blurRad="28575" algn="bl" rotWithShape="0">
-                <a:schemeClr val="accent6">
-                  <a:alpha val="90000"/>
-                </a:schemeClr>
-              </a:outerShdw>
-            </a:effectLst>
-          </p:spPr>
-          <p:txBody>
-            <a:bodyPr spcFirstLastPara="1" wrap="square" lIns="91425" tIns="91425" rIns="91425" bIns="91425" anchor="ctr" anchorCtr="0">
-              <a:noAutofit/>
-            </a:bodyPr>
-            <a:lstStyle/>
-            <a:p>
-              <a:pPr marL="0" lvl="0" indent="0" algn="l" rtl="0">
-                <a:spcBef>
-                  <a:spcPts val="0"/>
-                </a:spcBef>
-                <a:spcAft>
-                  <a:spcPts val="0"/>
-                </a:spcAft>
-                <a:buNone/>
-              </a:pPr>
-              <a:endParaRPr/>
-            </a:p>
-          </p:txBody>
-        </p:sp>
-        <p:sp>
-          <p:nvSpPr>
-            <p:cNvPr id="1075" name="Google Shape;1075;p61"/>
-            <p:cNvSpPr/>
-            <p:nvPr/>
-          </p:nvSpPr>
-          <p:spPr>
-            <a:xfrm>
-              <a:off x="4968149" y="3428934"/>
-              <a:ext cx="244486" cy="242958"/>
-            </a:xfrm>
-            <a:custGeom>
-              <a:avLst/>
-              <a:gdLst/>
-              <a:ahLst/>
-              <a:cxnLst/>
-              <a:rect l="l" t="t" r="r" b="b"/>
-              <a:pathLst>
-                <a:path w="7681" h="7633" extrusionOk="0">
-                  <a:moveTo>
-                    <a:pt x="3835" y="0"/>
-                  </a:moveTo>
-                  <a:cubicBezTo>
-                    <a:pt x="1727" y="0"/>
-                    <a:pt x="13" y="1715"/>
-                    <a:pt x="13" y="3822"/>
-                  </a:cubicBezTo>
-                  <a:cubicBezTo>
-                    <a:pt x="13" y="4418"/>
-                    <a:pt x="144" y="5001"/>
-                    <a:pt x="418" y="5537"/>
-                  </a:cubicBezTo>
-                  <a:lnTo>
-                    <a:pt x="25" y="6501"/>
-                  </a:lnTo>
-                  <a:cubicBezTo>
-                    <a:pt x="1" y="6585"/>
-                    <a:pt x="13" y="6656"/>
-                    <a:pt x="84" y="6704"/>
-                  </a:cubicBezTo>
-                  <a:cubicBezTo>
-                    <a:pt x="120" y="6727"/>
-                    <a:pt x="156" y="6727"/>
-                    <a:pt x="191" y="6727"/>
-                  </a:cubicBezTo>
-                  <a:lnTo>
-                    <a:pt x="1370" y="6727"/>
-                  </a:lnTo>
-                  <a:cubicBezTo>
-                    <a:pt x="2061" y="7323"/>
-                    <a:pt x="2942" y="7632"/>
-                    <a:pt x="3847" y="7632"/>
-                  </a:cubicBezTo>
-                  <a:cubicBezTo>
-                    <a:pt x="5966" y="7632"/>
-                    <a:pt x="7680" y="5930"/>
-                    <a:pt x="7680" y="3810"/>
-                  </a:cubicBezTo>
-                  <a:cubicBezTo>
-                    <a:pt x="7680" y="3096"/>
-                    <a:pt x="7454" y="2394"/>
-                    <a:pt x="7085" y="1798"/>
-                  </a:cubicBezTo>
-                  <a:cubicBezTo>
-                    <a:pt x="7052" y="1752"/>
-                    <a:pt x="6997" y="1727"/>
-                    <a:pt x="6940" y="1727"/>
-                  </a:cubicBezTo>
-                  <a:cubicBezTo>
-                    <a:pt x="6894" y="1727"/>
-                    <a:pt x="6848" y="1743"/>
-                    <a:pt x="6811" y="1774"/>
-                  </a:cubicBezTo>
-                  <a:cubicBezTo>
-                    <a:pt x="6752" y="1834"/>
-                    <a:pt x="6752" y="1917"/>
-                    <a:pt x="6787" y="1977"/>
-                  </a:cubicBezTo>
-                  <a:cubicBezTo>
-                    <a:pt x="7133" y="2513"/>
-                    <a:pt x="7323" y="3156"/>
-                    <a:pt x="7323" y="3846"/>
-                  </a:cubicBezTo>
-                  <a:cubicBezTo>
-                    <a:pt x="7323" y="5763"/>
-                    <a:pt x="5764" y="7323"/>
-                    <a:pt x="3835" y="7323"/>
-                  </a:cubicBezTo>
-                  <a:cubicBezTo>
-                    <a:pt x="2989" y="7323"/>
-                    <a:pt x="2168" y="7013"/>
-                    <a:pt x="1537" y="6442"/>
-                  </a:cubicBezTo>
-                  <a:cubicBezTo>
-                    <a:pt x="1501" y="6418"/>
-                    <a:pt x="1453" y="6406"/>
-                    <a:pt x="1418" y="6406"/>
-                  </a:cubicBezTo>
-                  <a:lnTo>
-                    <a:pt x="430" y="6406"/>
-                  </a:lnTo>
-                  <a:lnTo>
-                    <a:pt x="763" y="5596"/>
-                  </a:lnTo>
-                  <a:cubicBezTo>
-                    <a:pt x="775" y="5549"/>
-                    <a:pt x="775" y="5489"/>
-                    <a:pt x="763" y="5453"/>
-                  </a:cubicBezTo>
-                  <a:cubicBezTo>
-                    <a:pt x="489" y="4953"/>
-                    <a:pt x="358" y="4394"/>
-                    <a:pt x="358" y="3822"/>
-                  </a:cubicBezTo>
-                  <a:cubicBezTo>
-                    <a:pt x="358" y="1905"/>
-                    <a:pt x="1918" y="346"/>
-                    <a:pt x="3835" y="346"/>
-                  </a:cubicBezTo>
-                  <a:cubicBezTo>
-                    <a:pt x="4787" y="346"/>
-                    <a:pt x="5656" y="727"/>
-                    <a:pt x="6276" y="1346"/>
-                  </a:cubicBezTo>
-                  <a:cubicBezTo>
-                    <a:pt x="6305" y="1376"/>
-                    <a:pt x="6350" y="1390"/>
-                    <a:pt x="6395" y="1390"/>
-                  </a:cubicBezTo>
-                  <a:cubicBezTo>
-                    <a:pt x="6439" y="1390"/>
-                    <a:pt x="6484" y="1376"/>
-                    <a:pt x="6514" y="1346"/>
-                  </a:cubicBezTo>
-                  <a:cubicBezTo>
-                    <a:pt x="6573" y="1262"/>
-                    <a:pt x="6573" y="1167"/>
-                    <a:pt x="6514" y="1108"/>
-                  </a:cubicBezTo>
-                  <a:cubicBezTo>
-                    <a:pt x="5835" y="417"/>
-                    <a:pt x="4882" y="0"/>
-                    <a:pt x="3835" y="0"/>
-                  </a:cubicBezTo>
-                  <a:close/>
-                </a:path>
-              </a:pathLst>
-            </a:custGeom>
-            <a:solidFill>
-              <a:schemeClr val="accent6"/>
-            </a:solidFill>
-            <a:ln>
-              <a:noFill/>
-            </a:ln>
-            <a:effectLst>
-              <a:outerShdw blurRad="28575" algn="bl" rotWithShape="0">
-                <a:schemeClr val="accent6">
-                  <a:alpha val="90000"/>
-                </a:schemeClr>
-              </a:outerShdw>
-            </a:effectLst>
-          </p:spPr>
-          <p:txBody>
-            <a:bodyPr spcFirstLastPara="1" wrap="square" lIns="91425" tIns="91425" rIns="91425" bIns="91425" anchor="ctr" anchorCtr="0">
-              <a:noAutofit/>
-            </a:bodyPr>
-            <a:lstStyle/>
-            <a:p>
-              <a:pPr marL="0" lvl="0" indent="0" algn="l" rtl="0">
-                <a:spcBef>
-                  <a:spcPts val="0"/>
-                </a:spcBef>
-                <a:spcAft>
-                  <a:spcPts val="0"/>
-                </a:spcAft>
-                <a:buNone/>
-              </a:pPr>
-              <a:endParaRPr/>
-            </a:p>
-          </p:txBody>
-        </p:sp>
-        <p:sp>
-          <p:nvSpPr>
-            <p:cNvPr id="1076" name="Google Shape;1076;p61"/>
-            <p:cNvSpPr/>
-            <p:nvPr/>
-          </p:nvSpPr>
-          <p:spPr>
-            <a:xfrm>
-              <a:off x="5016308" y="3473082"/>
-              <a:ext cx="153134" cy="151065"/>
-            </a:xfrm>
-            <a:custGeom>
-              <a:avLst/>
-              <a:gdLst/>
-              <a:ahLst/>
-              <a:cxnLst/>
-              <a:rect l="l" t="t" r="r" b="b"/>
-              <a:pathLst>
-                <a:path w="4811" h="4746" extrusionOk="0">
-                  <a:moveTo>
-                    <a:pt x="1384" y="0"/>
-                  </a:moveTo>
-                  <a:cubicBezTo>
-                    <a:pt x="1342" y="0"/>
-                    <a:pt x="1304" y="18"/>
-                    <a:pt x="1274" y="54"/>
-                  </a:cubicBezTo>
-                  <a:lnTo>
-                    <a:pt x="274" y="1054"/>
-                  </a:lnTo>
-                  <a:cubicBezTo>
-                    <a:pt x="36" y="1292"/>
-                    <a:pt x="0" y="1661"/>
-                    <a:pt x="202" y="1935"/>
-                  </a:cubicBezTo>
-                  <a:cubicBezTo>
-                    <a:pt x="619" y="2495"/>
-                    <a:pt x="1072" y="3031"/>
-                    <a:pt x="1572" y="3531"/>
-                  </a:cubicBezTo>
-                  <a:cubicBezTo>
-                    <a:pt x="1601" y="3560"/>
-                    <a:pt x="1646" y="3575"/>
-                    <a:pt x="1691" y="3575"/>
-                  </a:cubicBezTo>
-                  <a:cubicBezTo>
-                    <a:pt x="1735" y="3575"/>
-                    <a:pt x="1780" y="3560"/>
-                    <a:pt x="1810" y="3531"/>
-                  </a:cubicBezTo>
-                  <a:cubicBezTo>
-                    <a:pt x="1881" y="3447"/>
-                    <a:pt x="1869" y="3352"/>
-                    <a:pt x="1810" y="3293"/>
-                  </a:cubicBezTo>
-                  <a:cubicBezTo>
-                    <a:pt x="1310" y="2816"/>
-                    <a:pt x="869" y="2304"/>
-                    <a:pt x="464" y="1745"/>
-                  </a:cubicBezTo>
-                  <a:cubicBezTo>
-                    <a:pt x="381" y="1602"/>
-                    <a:pt x="393" y="1423"/>
-                    <a:pt x="500" y="1304"/>
-                  </a:cubicBezTo>
-                  <a:lnTo>
-                    <a:pt x="1369" y="435"/>
-                  </a:lnTo>
-                  <a:lnTo>
-                    <a:pt x="2107" y="1161"/>
-                  </a:lnTo>
-                  <a:lnTo>
-                    <a:pt x="1750" y="1518"/>
-                  </a:lnTo>
-                  <a:cubicBezTo>
-                    <a:pt x="1703" y="1566"/>
-                    <a:pt x="1691" y="1638"/>
-                    <a:pt x="1703" y="1697"/>
-                  </a:cubicBezTo>
-                  <a:cubicBezTo>
-                    <a:pt x="1941" y="2400"/>
-                    <a:pt x="2405" y="2876"/>
-                    <a:pt x="3096" y="3090"/>
-                  </a:cubicBezTo>
-                  <a:cubicBezTo>
-                    <a:pt x="3112" y="3097"/>
-                    <a:pt x="3131" y="3100"/>
-                    <a:pt x="3150" y="3100"/>
-                  </a:cubicBezTo>
-                  <a:cubicBezTo>
-                    <a:pt x="3198" y="3100"/>
-                    <a:pt x="3248" y="3080"/>
-                    <a:pt x="3274" y="3054"/>
-                  </a:cubicBezTo>
-                  <a:lnTo>
-                    <a:pt x="3631" y="2697"/>
-                  </a:lnTo>
-                  <a:lnTo>
-                    <a:pt x="4370" y="3423"/>
-                  </a:lnTo>
-                  <a:lnTo>
-                    <a:pt x="3489" y="4305"/>
-                  </a:lnTo>
-                  <a:cubicBezTo>
-                    <a:pt x="3424" y="4369"/>
-                    <a:pt x="3343" y="4402"/>
-                    <a:pt x="3261" y="4402"/>
-                  </a:cubicBezTo>
-                  <a:cubicBezTo>
-                    <a:pt x="3191" y="4402"/>
-                    <a:pt x="3120" y="4378"/>
-                    <a:pt x="3060" y="4328"/>
-                  </a:cubicBezTo>
-                  <a:cubicBezTo>
-                    <a:pt x="2834" y="4162"/>
-                    <a:pt x="2607" y="4007"/>
-                    <a:pt x="2405" y="3828"/>
-                  </a:cubicBezTo>
-                  <a:cubicBezTo>
-                    <a:pt x="2368" y="3801"/>
-                    <a:pt x="2330" y="3789"/>
-                    <a:pt x="2295" y="3789"/>
-                  </a:cubicBezTo>
-                  <a:cubicBezTo>
-                    <a:pt x="2251" y="3789"/>
-                    <a:pt x="2212" y="3807"/>
-                    <a:pt x="2179" y="3840"/>
-                  </a:cubicBezTo>
-                  <a:cubicBezTo>
-                    <a:pt x="2107" y="3912"/>
-                    <a:pt x="2119" y="4031"/>
-                    <a:pt x="2191" y="4090"/>
-                  </a:cubicBezTo>
-                  <a:cubicBezTo>
-                    <a:pt x="2417" y="4269"/>
-                    <a:pt x="2643" y="4447"/>
-                    <a:pt x="2858" y="4614"/>
-                  </a:cubicBezTo>
-                  <a:cubicBezTo>
-                    <a:pt x="2977" y="4697"/>
-                    <a:pt x="3119" y="4745"/>
-                    <a:pt x="3250" y="4745"/>
-                  </a:cubicBezTo>
-                  <a:cubicBezTo>
-                    <a:pt x="3429" y="4745"/>
-                    <a:pt x="3596" y="4674"/>
-                    <a:pt x="3727" y="4555"/>
-                  </a:cubicBezTo>
-                  <a:lnTo>
-                    <a:pt x="4727" y="3554"/>
-                  </a:lnTo>
-                  <a:cubicBezTo>
-                    <a:pt x="4798" y="3495"/>
-                    <a:pt x="4810" y="3423"/>
-                    <a:pt x="4786" y="3352"/>
-                  </a:cubicBezTo>
-                  <a:cubicBezTo>
-                    <a:pt x="4763" y="3328"/>
-                    <a:pt x="4751" y="3304"/>
-                    <a:pt x="4739" y="3293"/>
-                  </a:cubicBezTo>
-                  <a:lnTo>
-                    <a:pt x="3774" y="2316"/>
-                  </a:lnTo>
-                  <a:cubicBezTo>
-                    <a:pt x="3733" y="2280"/>
-                    <a:pt x="3688" y="2263"/>
-                    <a:pt x="3646" y="2263"/>
-                  </a:cubicBezTo>
-                  <a:cubicBezTo>
-                    <a:pt x="3605" y="2263"/>
-                    <a:pt x="3566" y="2280"/>
-                    <a:pt x="3536" y="2316"/>
-                  </a:cubicBezTo>
-                  <a:lnTo>
-                    <a:pt x="3131" y="2721"/>
-                  </a:lnTo>
-                  <a:cubicBezTo>
-                    <a:pt x="2619" y="2531"/>
-                    <a:pt x="2286" y="2185"/>
-                    <a:pt x="2072" y="1661"/>
-                  </a:cubicBezTo>
-                  <a:lnTo>
-                    <a:pt x="2477" y="1268"/>
-                  </a:lnTo>
-                  <a:cubicBezTo>
-                    <a:pt x="2548" y="1185"/>
-                    <a:pt x="2548" y="1090"/>
-                    <a:pt x="2477" y="1030"/>
-                  </a:cubicBezTo>
-                  <a:lnTo>
-                    <a:pt x="1512" y="54"/>
-                  </a:lnTo>
-                  <a:cubicBezTo>
-                    <a:pt x="1470" y="18"/>
-                    <a:pt x="1426" y="0"/>
-                    <a:pt x="1384" y="0"/>
-                  </a:cubicBezTo>
-                  <a:close/>
-                </a:path>
-              </a:pathLst>
-            </a:custGeom>
-            <a:solidFill>
-              <a:schemeClr val="accent6"/>
-            </a:solidFill>
-            <a:ln>
-              <a:noFill/>
-            </a:ln>
-            <a:effectLst>
-              <a:outerShdw blurRad="28575" algn="bl" rotWithShape="0">
-                <a:schemeClr val="accent6">
-                  <a:alpha val="90000"/>
-                </a:schemeClr>
-              </a:outerShdw>
-            </a:effectLst>
-          </p:spPr>
-          <p:txBody>
-            <a:bodyPr spcFirstLastPara="1" wrap="square" lIns="91425" tIns="91425" rIns="91425" bIns="91425" anchor="ctr" anchorCtr="0">
-              <a:noAutofit/>
-            </a:bodyPr>
-            <a:lstStyle/>
-            <a:p>
-              <a:pPr marL="0" lvl="0" indent="0" algn="l" rtl="0">
-                <a:spcBef>
-                  <a:spcPts val="0"/>
-                </a:spcBef>
-                <a:spcAft>
-                  <a:spcPts val="0"/>
-                </a:spcAft>
-                <a:buNone/>
-              </a:pPr>
-              <a:endParaRPr/>
-            </a:p>
-          </p:txBody>
-        </p:sp>
-      </p:grpSp>
-      <p:grpSp>
-        <p:nvGrpSpPr>
-          <p:cNvPr id="1077" name="Google Shape;1077;p61"/>
-          <p:cNvGrpSpPr/>
-          <p:nvPr/>
-        </p:nvGrpSpPr>
-        <p:grpSpPr>
-          <a:xfrm>
-            <a:off x="3880214" y="3378897"/>
-            <a:ext cx="346024" cy="345674"/>
-            <a:chOff x="3880214" y="3378897"/>
-            <a:chExt cx="346024" cy="345674"/>
-          </a:xfrm>
-        </p:grpSpPr>
-        <p:sp>
-          <p:nvSpPr>
-            <p:cNvPr id="1078" name="Google Shape;1078;p61"/>
-            <p:cNvSpPr/>
-            <p:nvPr/>
-          </p:nvSpPr>
-          <p:spPr>
-            <a:xfrm>
-              <a:off x="3880214" y="3378897"/>
-              <a:ext cx="346024" cy="345674"/>
-            </a:xfrm>
-            <a:custGeom>
-              <a:avLst/>
-              <a:gdLst/>
-              <a:ahLst/>
-              <a:cxnLst/>
-              <a:rect l="l" t="t" r="r" b="b"/>
-              <a:pathLst>
-                <a:path w="10871" h="10860" extrusionOk="0">
-                  <a:moveTo>
-                    <a:pt x="5430" y="334"/>
-                  </a:moveTo>
-                  <a:cubicBezTo>
-                    <a:pt x="8252" y="334"/>
-                    <a:pt x="10526" y="2608"/>
-                    <a:pt x="10526" y="5430"/>
-                  </a:cubicBezTo>
-                  <a:cubicBezTo>
-                    <a:pt x="10526" y="8240"/>
-                    <a:pt x="8252" y="10514"/>
-                    <a:pt x="5430" y="10514"/>
-                  </a:cubicBezTo>
-                  <a:cubicBezTo>
-                    <a:pt x="2620" y="10514"/>
-                    <a:pt x="346" y="8240"/>
-                    <a:pt x="346" y="5430"/>
-                  </a:cubicBezTo>
-                  <a:cubicBezTo>
-                    <a:pt x="346" y="2608"/>
-                    <a:pt x="2620" y="334"/>
-                    <a:pt x="5430" y="334"/>
-                  </a:cubicBezTo>
-                  <a:close/>
-                  <a:moveTo>
-                    <a:pt x="5430" y="1"/>
-                  </a:moveTo>
-                  <a:cubicBezTo>
-                    <a:pt x="3989" y="1"/>
-                    <a:pt x="2620" y="560"/>
-                    <a:pt x="1596" y="1584"/>
-                  </a:cubicBezTo>
-                  <a:cubicBezTo>
-                    <a:pt x="572" y="2620"/>
-                    <a:pt x="1" y="3989"/>
-                    <a:pt x="1" y="5430"/>
-                  </a:cubicBezTo>
-                  <a:cubicBezTo>
-                    <a:pt x="1" y="6871"/>
-                    <a:pt x="572" y="8240"/>
-                    <a:pt x="1596" y="9264"/>
-                  </a:cubicBezTo>
-                  <a:cubicBezTo>
-                    <a:pt x="2620" y="10300"/>
-                    <a:pt x="3989" y="10859"/>
-                    <a:pt x="5430" y="10859"/>
-                  </a:cubicBezTo>
-                  <a:cubicBezTo>
-                    <a:pt x="6882" y="10859"/>
-                    <a:pt x="8252" y="10300"/>
-                    <a:pt x="9276" y="9264"/>
-                  </a:cubicBezTo>
-                  <a:cubicBezTo>
-                    <a:pt x="10299" y="8240"/>
-                    <a:pt x="10871" y="6871"/>
-                    <a:pt x="10871" y="5430"/>
-                  </a:cubicBezTo>
-                  <a:cubicBezTo>
-                    <a:pt x="10871" y="3989"/>
-                    <a:pt x="10299" y="2620"/>
-                    <a:pt x="9276" y="1584"/>
-                  </a:cubicBezTo>
-                  <a:cubicBezTo>
-                    <a:pt x="8252" y="560"/>
-                    <a:pt x="6882" y="1"/>
-                    <a:pt x="5430" y="1"/>
-                  </a:cubicBezTo>
-                  <a:close/>
-                </a:path>
-              </a:pathLst>
-            </a:custGeom>
-            <a:solidFill>
-              <a:schemeClr val="accent1"/>
-            </a:solidFill>
-            <a:ln>
-              <a:noFill/>
-            </a:ln>
-            <a:effectLst>
-              <a:outerShdw blurRad="28575" algn="bl" rotWithShape="0">
-                <a:schemeClr val="accent1">
-                  <a:alpha val="90000"/>
-                </a:schemeClr>
-              </a:outerShdw>
-            </a:effectLst>
-          </p:spPr>
-          <p:txBody>
-            <a:bodyPr spcFirstLastPara="1" wrap="square" lIns="91425" tIns="91425" rIns="91425" bIns="91425" anchor="ctr" anchorCtr="0">
-              <a:noAutofit/>
-            </a:bodyPr>
-            <a:lstStyle/>
-            <a:p>
-              <a:pPr marL="0" lvl="0" indent="0" algn="l" rtl="0">
-                <a:spcBef>
-                  <a:spcPts val="0"/>
-                </a:spcBef>
-                <a:spcAft>
-                  <a:spcPts val="0"/>
-                </a:spcAft>
-                <a:buNone/>
-              </a:pPr>
-              <a:endParaRPr/>
-            </a:p>
-          </p:txBody>
-        </p:sp>
-        <p:sp>
-          <p:nvSpPr>
-            <p:cNvPr id="1079" name="Google Shape;1079;p61"/>
-            <p:cNvSpPr/>
-            <p:nvPr/>
-          </p:nvSpPr>
-          <p:spPr>
-            <a:xfrm>
-              <a:off x="3950335" y="3466079"/>
-              <a:ext cx="227394" cy="185728"/>
-            </a:xfrm>
-            <a:custGeom>
-              <a:avLst/>
-              <a:gdLst/>
-              <a:ahLst/>
-              <a:cxnLst/>
-              <a:rect l="l" t="t" r="r" b="b"/>
-              <a:pathLst>
-                <a:path w="7144" h="5835" extrusionOk="0">
-                  <a:moveTo>
-                    <a:pt x="4620" y="0"/>
-                  </a:moveTo>
-                  <a:cubicBezTo>
-                    <a:pt x="3727" y="0"/>
-                    <a:pt x="2977" y="691"/>
-                    <a:pt x="2905" y="1572"/>
-                  </a:cubicBezTo>
-                  <a:cubicBezTo>
-                    <a:pt x="2727" y="1548"/>
-                    <a:pt x="2358" y="1441"/>
-                    <a:pt x="2262" y="1405"/>
-                  </a:cubicBezTo>
-                  <a:cubicBezTo>
-                    <a:pt x="1643" y="1203"/>
-                    <a:pt x="1072" y="810"/>
-                    <a:pt x="631" y="322"/>
-                  </a:cubicBezTo>
-                  <a:cubicBezTo>
-                    <a:pt x="596" y="298"/>
-                    <a:pt x="572" y="274"/>
-                    <a:pt x="524" y="262"/>
-                  </a:cubicBezTo>
-                  <a:cubicBezTo>
-                    <a:pt x="517" y="261"/>
-                    <a:pt x="509" y="260"/>
-                    <a:pt x="501" y="260"/>
-                  </a:cubicBezTo>
-                  <a:cubicBezTo>
-                    <a:pt x="436" y="260"/>
-                    <a:pt x="367" y="304"/>
-                    <a:pt x="346" y="357"/>
-                  </a:cubicBezTo>
-                  <a:cubicBezTo>
-                    <a:pt x="238" y="572"/>
-                    <a:pt x="179" y="810"/>
-                    <a:pt x="179" y="1048"/>
-                  </a:cubicBezTo>
-                  <a:cubicBezTo>
-                    <a:pt x="179" y="1393"/>
-                    <a:pt x="286" y="1727"/>
-                    <a:pt x="476" y="1977"/>
-                  </a:cubicBezTo>
-                  <a:cubicBezTo>
-                    <a:pt x="466" y="1975"/>
-                    <a:pt x="456" y="1974"/>
-                    <a:pt x="446" y="1974"/>
-                  </a:cubicBezTo>
-                  <a:cubicBezTo>
-                    <a:pt x="397" y="1974"/>
-                    <a:pt x="349" y="1997"/>
-                    <a:pt x="310" y="2036"/>
-                  </a:cubicBezTo>
-                  <a:cubicBezTo>
-                    <a:pt x="286" y="2060"/>
-                    <a:pt x="286" y="2108"/>
-                    <a:pt x="274" y="2143"/>
-                  </a:cubicBezTo>
-                  <a:lnTo>
-                    <a:pt x="274" y="2203"/>
-                  </a:lnTo>
-                  <a:cubicBezTo>
-                    <a:pt x="274" y="2655"/>
-                    <a:pt x="476" y="3072"/>
-                    <a:pt x="822" y="3358"/>
-                  </a:cubicBezTo>
-                  <a:cubicBezTo>
-                    <a:pt x="786" y="3370"/>
-                    <a:pt x="774" y="3405"/>
-                    <a:pt x="762" y="3417"/>
-                  </a:cubicBezTo>
-                  <a:cubicBezTo>
-                    <a:pt x="750" y="3465"/>
-                    <a:pt x="727" y="3513"/>
-                    <a:pt x="750" y="3548"/>
-                  </a:cubicBezTo>
-                  <a:cubicBezTo>
-                    <a:pt x="893" y="4024"/>
-                    <a:pt x="1262" y="4405"/>
-                    <a:pt x="1727" y="4548"/>
-                  </a:cubicBezTo>
-                  <a:cubicBezTo>
-                    <a:pt x="1310" y="4798"/>
-                    <a:pt x="834" y="4941"/>
-                    <a:pt x="334" y="4941"/>
-                  </a:cubicBezTo>
-                  <a:lnTo>
-                    <a:pt x="191" y="4941"/>
-                  </a:lnTo>
-                  <a:cubicBezTo>
-                    <a:pt x="107" y="4941"/>
-                    <a:pt x="36" y="5001"/>
-                    <a:pt x="12" y="5084"/>
-                  </a:cubicBezTo>
-                  <a:cubicBezTo>
-                    <a:pt x="0" y="5156"/>
-                    <a:pt x="48" y="5239"/>
-                    <a:pt x="107" y="5263"/>
-                  </a:cubicBezTo>
-                  <a:cubicBezTo>
-                    <a:pt x="727" y="5632"/>
-                    <a:pt x="1465" y="5834"/>
-                    <a:pt x="2191" y="5834"/>
-                  </a:cubicBezTo>
-                  <a:cubicBezTo>
-                    <a:pt x="3072" y="5834"/>
-                    <a:pt x="3905" y="5560"/>
-                    <a:pt x="4596" y="5060"/>
-                  </a:cubicBezTo>
-                  <a:cubicBezTo>
-                    <a:pt x="4691" y="5001"/>
-                    <a:pt x="4691" y="4858"/>
-                    <a:pt x="4620" y="4786"/>
-                  </a:cubicBezTo>
-                  <a:cubicBezTo>
-                    <a:pt x="4587" y="4754"/>
-                    <a:pt x="4544" y="4735"/>
-                    <a:pt x="4499" y="4735"/>
-                  </a:cubicBezTo>
-                  <a:cubicBezTo>
-                    <a:pt x="4463" y="4735"/>
-                    <a:pt x="4426" y="4748"/>
-                    <a:pt x="4394" y="4775"/>
-                  </a:cubicBezTo>
-                  <a:cubicBezTo>
-                    <a:pt x="3763" y="5215"/>
-                    <a:pt x="3013" y="5489"/>
-                    <a:pt x="2191" y="5489"/>
-                  </a:cubicBezTo>
-                  <a:cubicBezTo>
-                    <a:pt x="1727" y="5489"/>
-                    <a:pt x="1262" y="5394"/>
-                    <a:pt x="846" y="5239"/>
-                  </a:cubicBezTo>
-                  <a:cubicBezTo>
-                    <a:pt x="1369" y="5144"/>
-                    <a:pt x="1846" y="4917"/>
-                    <a:pt x="2262" y="4584"/>
-                  </a:cubicBezTo>
-                  <a:cubicBezTo>
-                    <a:pt x="2310" y="4536"/>
-                    <a:pt x="2334" y="4477"/>
-                    <a:pt x="2322" y="4417"/>
-                  </a:cubicBezTo>
-                  <a:cubicBezTo>
-                    <a:pt x="2310" y="4346"/>
-                    <a:pt x="2239" y="4286"/>
-                    <a:pt x="2155" y="4286"/>
-                  </a:cubicBezTo>
-                  <a:cubicBezTo>
-                    <a:pt x="1739" y="4263"/>
-                    <a:pt x="1369" y="4048"/>
-                    <a:pt x="1167" y="3691"/>
-                  </a:cubicBezTo>
-                  <a:cubicBezTo>
-                    <a:pt x="1250" y="3691"/>
-                    <a:pt x="1358" y="3667"/>
-                    <a:pt x="1441" y="3643"/>
-                  </a:cubicBezTo>
-                  <a:cubicBezTo>
-                    <a:pt x="1524" y="3632"/>
-                    <a:pt x="1584" y="3572"/>
-                    <a:pt x="1584" y="3489"/>
-                  </a:cubicBezTo>
-                  <a:cubicBezTo>
-                    <a:pt x="1596" y="3405"/>
-                    <a:pt x="1536" y="3334"/>
-                    <a:pt x="1441" y="3298"/>
-                  </a:cubicBezTo>
-                  <a:cubicBezTo>
-                    <a:pt x="1000" y="3191"/>
-                    <a:pt x="667" y="2822"/>
-                    <a:pt x="596" y="2381"/>
-                  </a:cubicBezTo>
-                  <a:lnTo>
-                    <a:pt x="596" y="2381"/>
-                  </a:lnTo>
-                  <a:cubicBezTo>
-                    <a:pt x="727" y="2405"/>
-                    <a:pt x="869" y="2417"/>
-                    <a:pt x="1000" y="2417"/>
-                  </a:cubicBezTo>
-                  <a:cubicBezTo>
-                    <a:pt x="1084" y="2417"/>
-                    <a:pt x="1143" y="2358"/>
-                    <a:pt x="1167" y="2274"/>
-                  </a:cubicBezTo>
-                  <a:cubicBezTo>
-                    <a:pt x="1179" y="2203"/>
-                    <a:pt x="1131" y="2143"/>
-                    <a:pt x="1072" y="2108"/>
-                  </a:cubicBezTo>
-                  <a:cubicBezTo>
-                    <a:pt x="703" y="1881"/>
-                    <a:pt x="476" y="1488"/>
-                    <a:pt x="476" y="1048"/>
-                  </a:cubicBezTo>
-                  <a:cubicBezTo>
-                    <a:pt x="476" y="953"/>
-                    <a:pt x="488" y="846"/>
-                    <a:pt x="524" y="738"/>
-                  </a:cubicBezTo>
-                  <a:cubicBezTo>
-                    <a:pt x="965" y="1191"/>
-                    <a:pt x="1524" y="1524"/>
-                    <a:pt x="2120" y="1727"/>
-                  </a:cubicBezTo>
-                  <a:cubicBezTo>
-                    <a:pt x="2120" y="1727"/>
-                    <a:pt x="2715" y="1905"/>
-                    <a:pt x="2929" y="1917"/>
-                  </a:cubicBezTo>
-                  <a:lnTo>
-                    <a:pt x="3024" y="1917"/>
-                  </a:lnTo>
-                  <a:cubicBezTo>
-                    <a:pt x="3096" y="1917"/>
-                    <a:pt x="3167" y="1869"/>
-                    <a:pt x="3191" y="1798"/>
-                  </a:cubicBezTo>
-                  <a:cubicBezTo>
-                    <a:pt x="3203" y="1786"/>
-                    <a:pt x="3203" y="1750"/>
-                    <a:pt x="3203" y="1738"/>
-                  </a:cubicBezTo>
-                  <a:lnTo>
-                    <a:pt x="3203" y="1703"/>
-                  </a:lnTo>
-                  <a:cubicBezTo>
-                    <a:pt x="3203" y="953"/>
-                    <a:pt x="3810" y="334"/>
-                    <a:pt x="4572" y="334"/>
-                  </a:cubicBezTo>
-                  <a:cubicBezTo>
-                    <a:pt x="4941" y="334"/>
-                    <a:pt x="5287" y="488"/>
-                    <a:pt x="5549" y="750"/>
-                  </a:cubicBezTo>
-                  <a:cubicBezTo>
-                    <a:pt x="5585" y="787"/>
-                    <a:pt x="5621" y="802"/>
-                    <a:pt x="5663" y="802"/>
-                  </a:cubicBezTo>
-                  <a:cubicBezTo>
-                    <a:pt x="5676" y="802"/>
-                    <a:pt x="5689" y="801"/>
-                    <a:pt x="5703" y="798"/>
-                  </a:cubicBezTo>
-                  <a:cubicBezTo>
-                    <a:pt x="5882" y="762"/>
-                    <a:pt x="6049" y="738"/>
-                    <a:pt x="6203" y="679"/>
-                  </a:cubicBezTo>
-                  <a:lnTo>
-                    <a:pt x="6203" y="679"/>
-                  </a:lnTo>
-                  <a:cubicBezTo>
-                    <a:pt x="6120" y="762"/>
-                    <a:pt x="6013" y="857"/>
-                    <a:pt x="5894" y="917"/>
-                  </a:cubicBezTo>
-                  <a:cubicBezTo>
-                    <a:pt x="5822" y="965"/>
-                    <a:pt x="5787" y="1048"/>
-                    <a:pt x="5822" y="1143"/>
-                  </a:cubicBezTo>
-                  <a:cubicBezTo>
-                    <a:pt x="5846" y="1203"/>
-                    <a:pt x="5930" y="1250"/>
-                    <a:pt x="6001" y="1250"/>
-                  </a:cubicBezTo>
-                  <a:cubicBezTo>
-                    <a:pt x="6144" y="1227"/>
-                    <a:pt x="6287" y="1215"/>
-                    <a:pt x="6418" y="1167"/>
-                  </a:cubicBezTo>
-                  <a:lnTo>
-                    <a:pt x="6418" y="1167"/>
-                  </a:lnTo>
-                  <a:cubicBezTo>
-                    <a:pt x="6299" y="1286"/>
-                    <a:pt x="6168" y="1405"/>
-                    <a:pt x="6013" y="1512"/>
-                  </a:cubicBezTo>
-                  <a:cubicBezTo>
-                    <a:pt x="5965" y="1548"/>
-                    <a:pt x="5941" y="1608"/>
-                    <a:pt x="5941" y="1655"/>
-                  </a:cubicBezTo>
-                  <a:lnTo>
-                    <a:pt x="5941" y="1679"/>
-                  </a:lnTo>
-                  <a:lnTo>
-                    <a:pt x="5941" y="1703"/>
-                  </a:lnTo>
-                  <a:lnTo>
-                    <a:pt x="5941" y="1727"/>
-                  </a:lnTo>
-                  <a:cubicBezTo>
-                    <a:pt x="5941" y="2691"/>
-                    <a:pt x="5572" y="3572"/>
-                    <a:pt x="4977" y="4227"/>
-                  </a:cubicBezTo>
-                  <a:cubicBezTo>
-                    <a:pt x="4918" y="4298"/>
-                    <a:pt x="4918" y="4405"/>
-                    <a:pt x="4977" y="4465"/>
-                  </a:cubicBezTo>
-                  <a:cubicBezTo>
-                    <a:pt x="5011" y="4499"/>
-                    <a:pt x="5053" y="4514"/>
-                    <a:pt x="5096" y="4514"/>
-                  </a:cubicBezTo>
-                  <a:cubicBezTo>
-                    <a:pt x="5143" y="4514"/>
-                    <a:pt x="5190" y="4496"/>
-                    <a:pt x="5227" y="4465"/>
-                  </a:cubicBezTo>
-                  <a:cubicBezTo>
-                    <a:pt x="5894" y="3715"/>
-                    <a:pt x="6263" y="2762"/>
-                    <a:pt x="6287" y="1750"/>
-                  </a:cubicBezTo>
-                  <a:cubicBezTo>
-                    <a:pt x="6596" y="1524"/>
-                    <a:pt x="6846" y="1250"/>
-                    <a:pt x="7061" y="917"/>
-                  </a:cubicBezTo>
-                  <a:cubicBezTo>
-                    <a:pt x="7144" y="857"/>
-                    <a:pt x="7132" y="750"/>
-                    <a:pt x="7061" y="715"/>
-                  </a:cubicBezTo>
-                  <a:cubicBezTo>
-                    <a:pt x="7029" y="683"/>
-                    <a:pt x="6987" y="667"/>
-                    <a:pt x="6937" y="667"/>
-                  </a:cubicBezTo>
-                  <a:cubicBezTo>
-                    <a:pt x="6912" y="667"/>
-                    <a:pt x="6886" y="671"/>
-                    <a:pt x="6858" y="679"/>
-                  </a:cubicBezTo>
-                  <a:cubicBezTo>
-                    <a:pt x="6775" y="726"/>
-                    <a:pt x="6680" y="750"/>
-                    <a:pt x="6596" y="786"/>
-                  </a:cubicBezTo>
-                  <a:cubicBezTo>
-                    <a:pt x="6680" y="667"/>
-                    <a:pt x="6763" y="512"/>
-                    <a:pt x="6823" y="369"/>
-                  </a:cubicBezTo>
-                  <a:cubicBezTo>
-                    <a:pt x="6834" y="310"/>
-                    <a:pt x="6834" y="238"/>
-                    <a:pt x="6787" y="191"/>
-                  </a:cubicBezTo>
-                  <a:cubicBezTo>
-                    <a:pt x="6750" y="153"/>
-                    <a:pt x="6703" y="135"/>
-                    <a:pt x="6659" y="135"/>
-                  </a:cubicBezTo>
-                  <a:cubicBezTo>
-                    <a:pt x="6632" y="135"/>
-                    <a:pt x="6607" y="142"/>
-                    <a:pt x="6584" y="155"/>
-                  </a:cubicBezTo>
-                  <a:cubicBezTo>
-                    <a:pt x="6322" y="310"/>
-                    <a:pt x="6061" y="393"/>
-                    <a:pt x="5775" y="441"/>
-                  </a:cubicBezTo>
-                  <a:cubicBezTo>
-                    <a:pt x="5465" y="143"/>
-                    <a:pt x="5048" y="0"/>
-                    <a:pt x="4620" y="0"/>
-                  </a:cubicBezTo>
-                  <a:close/>
-                </a:path>
-              </a:pathLst>
-            </a:custGeom>
-            <a:solidFill>
-              <a:schemeClr val="accent1"/>
-            </a:solidFill>
-            <a:ln>
-              <a:noFill/>
-            </a:ln>
-            <a:effectLst>
-              <a:outerShdw blurRad="28575" algn="bl" rotWithShape="0">
-                <a:schemeClr val="accent1">
-                  <a:alpha val="90000"/>
-                </a:schemeClr>
-              </a:outerShdw>
-            </a:effectLst>
-          </p:spPr>
-          <p:txBody>
-            <a:bodyPr spcFirstLastPara="1" wrap="square" lIns="91425" tIns="91425" rIns="91425" bIns="91425" anchor="ctr" anchorCtr="0">
-              <a:noAutofit/>
-            </a:bodyPr>
-            <a:lstStyle/>
-            <a:p>
-              <a:pPr marL="0" lvl="0" indent="0" algn="l" rtl="0">
-                <a:spcBef>
-                  <a:spcPts val="0"/>
-                </a:spcBef>
-                <a:spcAft>
-                  <a:spcPts val="0"/>
-                </a:spcAft>
-                <a:buNone/>
-              </a:pPr>
-              <a:endParaRPr/>
-            </a:p>
-          </p:txBody>
-        </p:sp>
-      </p:grpSp>
     </p:spTree>
   </p:cSld>
   <p:clrMapOvr>
@@ -50078,7 +48234,11 @@
             </a:pPr>
             <a:r>
               <a:rPr lang="en" dirty="0"/>
-              <a:t>Own Model architecture</a:t>
+              <a:t>Own Model </a:t>
+            </a:r>
+            <a:r>
+              <a:rPr lang="en" dirty="0" smtClean="0"/>
+              <a:t>Architecture and Evaluation</a:t>
             </a:r>
             <a:endParaRPr dirty="0"/>
           </a:p>

--- a/CA1/PartB/Cifar100.pptx
+++ b/CA1/PartB/Cifar100.pptx
@@ -28,7 +28,7 @@
   <p:notesSz cx="6858000" cy="9144000"/>
   <p:embeddedFontLst>
     <p:embeddedFont>
-      <p:font typeface="Blinker SemiBold" panose="020B0604020202020204" charset="0"/>
+      <p:font typeface="Big Shoulders Text Light" panose="020B0604020202020204" charset="0"/>
       <p:regular r:id="rId18"/>
       <p:bold r:id="rId19"/>
     </p:embeddedFont>
@@ -38,7 +38,7 @@
       <p:bold r:id="rId21"/>
     </p:embeddedFont>
     <p:embeddedFont>
-      <p:font typeface="Big Shoulders Text Light" panose="020B0604020202020204" charset="0"/>
+      <p:font typeface="Blinker SemiBold" panose="020B0604020202020204" charset="0"/>
       <p:regular r:id="rId22"/>
       <p:bold r:id="rId23"/>
     </p:embeddedFont>
@@ -295,11 +295,66 @@
 <pc:chgInfo xmlns:a="http://schemas.openxmlformats.org/drawingml/2006/main" xmlns:r="http://schemas.openxmlformats.org/officeDocument/2006/relationships" xmlns:ac="http://schemas.microsoft.com/office/drawing/2013/main/command" xmlns:pc="http://schemas.microsoft.com/office/powerpoint/2013/main/command">
   <pc:docChgLst>
     <pc:chgData name="HAJA AMIR RAHMAN" userId="468123a8-4d3b-4a6f-93be-28fdda5a091b" providerId="ADAL" clId="{3F1725B4-5474-4296-BDC5-6EBF3CE7E9A4}"/>
-    <pc:docChg chg="delSld modSld">
-      <pc:chgData name="HAJA AMIR RAHMAN" userId="468123a8-4d3b-4a6f-93be-28fdda5a091b" providerId="ADAL" clId="{3F1725B4-5474-4296-BDC5-6EBF3CE7E9A4}" dt="2022-11-24T15:27:08.092" v="6" actId="2696"/>
+    <pc:docChg chg="custSel delSld modSld">
+      <pc:chgData name="HAJA AMIR RAHMAN" userId="468123a8-4d3b-4a6f-93be-28fdda5a091b" providerId="ADAL" clId="{3F1725B4-5474-4296-BDC5-6EBF3CE7E9A4}" dt="2022-11-30T14:54:23.944" v="5597" actId="20577"/>
       <pc:docMkLst>
         <pc:docMk/>
       </pc:docMkLst>
+      <pc:sldChg chg="addSp delSp modSp mod modNotesTx">
+        <pc:chgData name="HAJA AMIR RAHMAN" userId="468123a8-4d3b-4a6f-93be-28fdda5a091b" providerId="ADAL" clId="{3F1725B4-5474-4296-BDC5-6EBF3CE7E9A4}" dt="2022-11-30T12:47:16.588" v="319" actId="20577"/>
+        <pc:sldMkLst>
+          <pc:docMk/>
+          <pc:sldMk cId="0" sldId="257"/>
+        </pc:sldMkLst>
+        <pc:spChg chg="add del mod">
+          <ac:chgData name="HAJA AMIR RAHMAN" userId="468123a8-4d3b-4a6f-93be-28fdda5a091b" providerId="ADAL" clId="{3F1725B4-5474-4296-BDC5-6EBF3CE7E9A4}" dt="2022-11-30T11:35:09.471" v="8" actId="478"/>
+          <ac:spMkLst>
+            <pc:docMk/>
+            <pc:sldMk cId="0" sldId="257"/>
+            <ac:spMk id="3" creationId="{EF045E99-C940-2922-4358-6B43EDDA0C84}"/>
+          </ac:spMkLst>
+        </pc:spChg>
+        <pc:spChg chg="add del mod">
+          <ac:chgData name="HAJA AMIR RAHMAN" userId="468123a8-4d3b-4a6f-93be-28fdda5a091b" providerId="ADAL" clId="{3F1725B4-5474-4296-BDC5-6EBF3CE7E9A4}" dt="2022-11-30T11:35:15.661" v="10" actId="478"/>
+          <ac:spMkLst>
+            <pc:docMk/>
+            <pc:sldMk cId="0" sldId="257"/>
+            <ac:spMk id="5" creationId="{0533A506-7266-C852-7AEB-2A1E7E120E12}"/>
+          </ac:spMkLst>
+        </pc:spChg>
+        <pc:spChg chg="add del mod">
+          <ac:chgData name="HAJA AMIR RAHMAN" userId="468123a8-4d3b-4a6f-93be-28fdda5a091b" providerId="ADAL" clId="{3F1725B4-5474-4296-BDC5-6EBF3CE7E9A4}" dt="2022-11-30T11:35:24.147" v="12" actId="478"/>
+          <ac:spMkLst>
+            <pc:docMk/>
+            <pc:sldMk cId="0" sldId="257"/>
+            <ac:spMk id="7" creationId="{FE1EA6FA-25AE-2972-6053-AAF605DF126D}"/>
+          </ac:spMkLst>
+        </pc:spChg>
+        <pc:spChg chg="del">
+          <ac:chgData name="HAJA AMIR RAHMAN" userId="468123a8-4d3b-4a6f-93be-28fdda5a091b" providerId="ADAL" clId="{3F1725B4-5474-4296-BDC5-6EBF3CE7E9A4}" dt="2022-11-30T11:35:12.899" v="9" actId="478"/>
+          <ac:spMkLst>
+            <pc:docMk/>
+            <pc:sldMk cId="0" sldId="257"/>
+            <ac:spMk id="756" creationId="{00000000-0000-0000-0000-000000000000}"/>
+          </ac:spMkLst>
+        </pc:spChg>
+        <pc:spChg chg="del">
+          <ac:chgData name="HAJA AMIR RAHMAN" userId="468123a8-4d3b-4a6f-93be-28fdda5a091b" providerId="ADAL" clId="{3F1725B4-5474-4296-BDC5-6EBF3CE7E9A4}" dt="2022-11-30T11:35:22.799" v="11" actId="478"/>
+          <ac:spMkLst>
+            <pc:docMk/>
+            <pc:sldMk cId="0" sldId="257"/>
+            <ac:spMk id="757" creationId="{00000000-0000-0000-0000-000000000000}"/>
+          </ac:spMkLst>
+        </pc:spChg>
+        <pc:spChg chg="del">
+          <ac:chgData name="HAJA AMIR RAHMAN" userId="468123a8-4d3b-4a6f-93be-28fdda5a091b" providerId="ADAL" clId="{3F1725B4-5474-4296-BDC5-6EBF3CE7E9A4}" dt="2022-11-30T11:35:05.913" v="7" actId="478"/>
+          <ac:spMkLst>
+            <pc:docMk/>
+            <pc:sldMk cId="0" sldId="257"/>
+            <ac:spMk id="758" creationId="{00000000-0000-0000-0000-000000000000}"/>
+          </ac:spMkLst>
+        </pc:spChg>
+      </pc:sldChg>
       <pc:sldChg chg="del mod modShow">
         <pc:chgData name="HAJA AMIR RAHMAN" userId="468123a8-4d3b-4a6f-93be-28fdda5a091b" providerId="ADAL" clId="{3F1725B4-5474-4296-BDC5-6EBF3CE7E9A4}" dt="2022-11-24T15:26:49.871" v="2" actId="2696"/>
         <pc:sldMkLst>
@@ -321,6 +376,20 @@
           <pc:sldMk cId="0" sldId="261"/>
         </pc:sldMkLst>
       </pc:sldChg>
+      <pc:sldChg chg="modNotesTx">
+        <pc:chgData name="HAJA AMIR RAHMAN" userId="468123a8-4d3b-4a6f-93be-28fdda5a091b" providerId="ADAL" clId="{3F1725B4-5474-4296-BDC5-6EBF3CE7E9A4}" dt="2022-11-30T12:57:58.394" v="1041" actId="20577"/>
+        <pc:sldMkLst>
+          <pc:docMk/>
+          <pc:sldMk cId="0" sldId="262"/>
+        </pc:sldMkLst>
+      </pc:sldChg>
+      <pc:sldChg chg="modNotesTx">
+        <pc:chgData name="HAJA AMIR RAHMAN" userId="468123a8-4d3b-4a6f-93be-28fdda5a091b" providerId="ADAL" clId="{3F1725B4-5474-4296-BDC5-6EBF3CE7E9A4}" dt="2022-11-30T12:58:51.108" v="1184" actId="20577"/>
+        <pc:sldMkLst>
+          <pc:docMk/>
+          <pc:sldMk cId="0" sldId="264"/>
+        </pc:sldMkLst>
+      </pc:sldChg>
       <pc:sldChg chg="del">
         <pc:chgData name="HAJA AMIR RAHMAN" userId="468123a8-4d3b-4a6f-93be-28fdda5a091b" providerId="ADAL" clId="{3F1725B4-5474-4296-BDC5-6EBF3CE7E9A4}" dt="2022-11-24T15:27:01.881" v="5" actId="2696"/>
         <pc:sldMkLst>
@@ -328,11 +397,75 @@
           <pc:sldMk cId="0" sldId="267"/>
         </pc:sldMkLst>
       </pc:sldChg>
+      <pc:sldChg chg="modNotesTx">
+        <pc:chgData name="HAJA AMIR RAHMAN" userId="468123a8-4d3b-4a6f-93be-28fdda5a091b" providerId="ADAL" clId="{3F1725B4-5474-4296-BDC5-6EBF3CE7E9A4}" dt="2022-11-30T13:00:14.134" v="1503" actId="20577"/>
+        <pc:sldMkLst>
+          <pc:docMk/>
+          <pc:sldMk cId="0" sldId="268"/>
+        </pc:sldMkLst>
+      </pc:sldChg>
       <pc:sldChg chg="del">
         <pc:chgData name="HAJA AMIR RAHMAN" userId="468123a8-4d3b-4a6f-93be-28fdda5a091b" providerId="ADAL" clId="{3F1725B4-5474-4296-BDC5-6EBF3CE7E9A4}" dt="2022-11-24T15:27:08.092" v="6" actId="2696"/>
         <pc:sldMkLst>
           <pc:docMk/>
           <pc:sldMk cId="0" sldId="272"/>
+        </pc:sldMkLst>
+      </pc:sldChg>
+      <pc:sldChg chg="modNotesTx">
+        <pc:chgData name="HAJA AMIR RAHMAN" userId="468123a8-4d3b-4a6f-93be-28fdda5a091b" providerId="ADAL" clId="{3F1725B4-5474-4296-BDC5-6EBF3CE7E9A4}" dt="2022-11-30T13:05:05.439" v="2117" actId="20577"/>
+        <pc:sldMkLst>
+          <pc:docMk/>
+          <pc:sldMk cId="0" sldId="273"/>
+        </pc:sldMkLst>
+      </pc:sldChg>
+      <pc:sldChg chg="modNotesTx">
+        <pc:chgData name="HAJA AMIR RAHMAN" userId="468123a8-4d3b-4a6f-93be-28fdda5a091b" providerId="ADAL" clId="{3F1725B4-5474-4296-BDC5-6EBF3CE7E9A4}" dt="2022-11-30T13:06:53.329" v="2527" actId="20577"/>
+        <pc:sldMkLst>
+          <pc:docMk/>
+          <pc:sldMk cId="0" sldId="279"/>
+        </pc:sldMkLst>
+      </pc:sldChg>
+      <pc:sldChg chg="modNotesTx">
+        <pc:chgData name="HAJA AMIR RAHMAN" userId="468123a8-4d3b-4a6f-93be-28fdda5a091b" providerId="ADAL" clId="{3F1725B4-5474-4296-BDC5-6EBF3CE7E9A4}" dt="2022-11-30T14:54:23.944" v="5597" actId="20577"/>
+        <pc:sldMkLst>
+          <pc:docMk/>
+          <pc:sldMk cId="0" sldId="280"/>
+        </pc:sldMkLst>
+      </pc:sldChg>
+      <pc:sldChg chg="modSp mod modNotesTx">
+        <pc:chgData name="HAJA AMIR RAHMAN" userId="468123a8-4d3b-4a6f-93be-28fdda5a091b" providerId="ADAL" clId="{3F1725B4-5474-4296-BDC5-6EBF3CE7E9A4}" dt="2022-11-30T13:13:08.249" v="3897" actId="20577"/>
+        <pc:sldMkLst>
+          <pc:docMk/>
+          <pc:sldMk cId="0" sldId="283"/>
+        </pc:sldMkLst>
+        <pc:spChg chg="mod">
+          <ac:chgData name="HAJA AMIR RAHMAN" userId="468123a8-4d3b-4a6f-93be-28fdda5a091b" providerId="ADAL" clId="{3F1725B4-5474-4296-BDC5-6EBF3CE7E9A4}" dt="2022-11-30T13:11:55.698" v="3582" actId="20577"/>
+          <ac:spMkLst>
+            <pc:docMk/>
+            <pc:sldMk cId="0" sldId="283"/>
+            <ac:spMk id="1031" creationId="{00000000-0000-0000-0000-000000000000}"/>
+          </ac:spMkLst>
+        </pc:spChg>
+      </pc:sldChg>
+      <pc:sldChg chg="modNotesTx">
+        <pc:chgData name="HAJA AMIR RAHMAN" userId="468123a8-4d3b-4a6f-93be-28fdda5a091b" providerId="ADAL" clId="{3F1725B4-5474-4296-BDC5-6EBF3CE7E9A4}" dt="2022-11-30T13:15:33.213" v="4539" actId="20577"/>
+        <pc:sldMkLst>
+          <pc:docMk/>
+          <pc:sldMk cId="0" sldId="284"/>
+        </pc:sldMkLst>
+      </pc:sldChg>
+      <pc:sldChg chg="modNotesTx">
+        <pc:chgData name="HAJA AMIR RAHMAN" userId="468123a8-4d3b-4a6f-93be-28fdda5a091b" providerId="ADAL" clId="{3F1725B4-5474-4296-BDC5-6EBF3CE7E9A4}" dt="2022-11-30T13:18:55.166" v="5321" actId="20577"/>
+        <pc:sldMkLst>
+          <pc:docMk/>
+          <pc:sldMk cId="0" sldId="287"/>
+        </pc:sldMkLst>
+      </pc:sldChg>
+      <pc:sldChg chg="modNotesTx">
+        <pc:chgData name="HAJA AMIR RAHMAN" userId="468123a8-4d3b-4a6f-93be-28fdda5a091b" providerId="ADAL" clId="{3F1725B4-5474-4296-BDC5-6EBF3CE7E9A4}" dt="2022-11-30T13:19:01.242" v="5330" actId="20577"/>
+        <pc:sldMkLst>
+          <pc:docMk/>
+          <pc:sldMk cId="0" sldId="288"/>
         </pc:sldMkLst>
       </pc:sldChg>
       <pc:sldMasterChg chg="delSldLayout">
@@ -992,7 +1125,11 @@
               </a:spcAft>
               <a:buNone/>
             </a:pPr>
-            <a:endParaRPr/>
+            <a:r>
+              <a:rPr lang="en-US" dirty="0"/>
+              <a:t>For data augmentation, I essentially quadrupled the data by applying horizontal and vertical flip + grid distortion and elastic transform. I then used the data generator function to generate the data and assigned that to the augment batch function which I used as the executed function</a:t>
+            </a:r>
+            <a:endParaRPr dirty="0"/>
           </a:p>
         </p:txBody>
       </p:sp>
@@ -1096,7 +1233,15 @@
               </a:spcAft>
               <a:buNone/>
             </a:pPr>
-            <a:endParaRPr/>
+            <a:r>
+              <a:rPr lang="en-US" dirty="0"/>
+              <a:t>My own model fitted with coarse labelled training and validation data after augmentation was applied performed quite well achieving a test accuracy of 66.43%. As I said, I managed to hit 67% but accidentally re-ran the model and lost the best weight. I decided not to present the results of my own model fitted with fine labelled augmented data as the results were quite poor but the test accuracy achieved for my own fine labelled and augmented </a:t>
+            </a:r>
+            <a:r>
+              <a:rPr lang="en-US"/>
+              <a:t>model was 53.26%	</a:t>
+            </a:r>
+            <a:endParaRPr dirty="0"/>
           </a:p>
         </p:txBody>
       </p:sp>
@@ -1200,7 +1345,11 @@
               </a:spcAft>
               <a:buNone/>
             </a:pPr>
-            <a:endParaRPr/>
+            <a:r>
+              <a:rPr lang="en-US" dirty="0"/>
+              <a:t>This is the Resnet50 architecture I tried with my augmented data for both coarse and fine labels but I am only presenting the coarse label fitted model as the fine label fitted one did not perform well and took very long to run. Due to there being 5 blocks of layers, I decided to use the Image Data Generator on top of the already augmented data to fit the model as the layers made the model quite deep so I thought more data would help. The highest test accuracy achieved was 45.4% and loss of 0.1942. Evidently this architecture performed worse than my other own models but better than my baseline model. I personally think that the reason is because I did not run it for long enough given the amount of data fitted and the number of layers.</a:t>
+            </a:r>
+            <a:endParaRPr dirty="0"/>
           </a:p>
         </p:txBody>
       </p:sp>
@@ -1304,7 +1453,27 @@
               </a:spcAft>
               <a:buNone/>
             </a:pPr>
-            <a:endParaRPr/>
+            <a:r>
+              <a:rPr lang="en-US" dirty="0"/>
+              <a:t>This is another general model I tried with a slightly different architecture just to compare again the resnet50 architecture and it actually performed almost as well reaching a data accuracy of 44.4%. This model was built on a custom progressive dropout function and random augmentation. I used </a:t>
+            </a:r>
+            <a:r>
+              <a:rPr lang="en-US" dirty="0" err="1"/>
+              <a:t>keras</a:t>
+            </a:r>
+            <a:r>
+              <a:rPr lang="en-US" dirty="0"/>
+              <a:t> </a:t>
+            </a:r>
+            <a:r>
+              <a:rPr lang="en-US" dirty="0" err="1"/>
+              <a:t>efficientnet</a:t>
+            </a:r>
+            <a:r>
+              <a:rPr lang="en-US" dirty="0"/>
+              <a:t> v2 module to import the augment library necessary for augmented the data that was fit into this model</a:t>
+            </a:r>
+            <a:endParaRPr dirty="0"/>
           </a:p>
         </p:txBody>
       </p:sp>
@@ -1408,7 +1577,19 @@
               </a:spcAft>
               <a:buNone/>
             </a:pPr>
-            <a:endParaRPr/>
+            <a:r>
+              <a:rPr lang="en-US" dirty="0"/>
+              <a:t>I can conclude after running all these models that my own coarse label fitted model with augmentation performed the best achieving an accuracy of 66%. I used model checkpoint function just like in part A to collect the best weight after monitoring for max validation accuracy. The screenshot shows the parameters I used in callbacks when fitting the model to ensure efficiency. I used a patience of 10, monitoring for the minimum validation loss for early stopping and patience of 5 and monitoring the same thing with </a:t>
+            </a:r>
+            <a:r>
+              <a:rPr lang="en-US" dirty="0" err="1"/>
+              <a:t>ReduceLRonPlateau</a:t>
+            </a:r>
+            <a:r>
+              <a:rPr lang="en-US" dirty="0"/>
+              <a:t> callback.</a:t>
+            </a:r>
+            <a:endParaRPr dirty="0"/>
           </a:p>
         </p:txBody>
       </p:sp>
@@ -1512,6 +1693,10 @@
               </a:spcAft>
               <a:buNone/>
             </a:pPr>
+            <a:r>
+              <a:rPr lang="en-US"/>
+              <a:t>Thank you</a:t>
+            </a:r>
             <a:endParaRPr/>
           </a:p>
         </p:txBody>
@@ -1616,7 +1801,11 @@
               </a:spcAft>
               <a:buNone/>
             </a:pPr>
-            <a:endParaRPr/>
+            <a:r>
+              <a:rPr lang="en-US" dirty="0"/>
+              <a:t>The structure that I covered in Part A is similar to this section aside from the last section regarding the prebuilt architecture that I ran to compare with my own model</a:t>
+            </a:r>
+            <a:endParaRPr dirty="0"/>
           </a:p>
         </p:txBody>
       </p:sp>
@@ -1824,7 +2013,11 @@
               </a:spcAft>
               <a:buNone/>
             </a:pPr>
-            <a:endParaRPr/>
+            <a:r>
+              <a:rPr lang="en-US" dirty="0"/>
+              <a:t>For my train test and validation split I decided to split this way because I wanted to apply my models to both coarse and fine labelled data easily. Then I normalized that data so all the data is on the same scale since the data is made of images. So the train data has 45000 data points, the validation data has 5000 data points and the test data has 10000 data points. The input shape for all of them to go into the model is (32, 32, 3)</a:t>
+            </a:r>
+            <a:endParaRPr dirty="0"/>
           </a:p>
         </p:txBody>
       </p:sp>
@@ -1928,7 +2121,27 @@
               </a:spcAft>
               <a:buNone/>
             </a:pPr>
-            <a:endParaRPr/>
+            <a:r>
+              <a:rPr lang="en-US" dirty="0"/>
+              <a:t>As we can see the coarse labels were derived from </a:t>
+            </a:r>
+            <a:r>
+              <a:rPr lang="en-US" dirty="0" err="1"/>
+              <a:t>cifar</a:t>
+            </a:r>
+            <a:r>
+              <a:rPr lang="en-US" dirty="0"/>
+              <a:t> 20 and the fine labels will derived from </a:t>
+            </a:r>
+            <a:r>
+              <a:rPr lang="en-US" dirty="0" err="1"/>
+              <a:t>cifar</a:t>
+            </a:r>
+            <a:r>
+              <a:rPr lang="en-US" dirty="0"/>
+              <a:t> 100</a:t>
+            </a:r>
+            <a:endParaRPr dirty="0"/>
           </a:p>
         </p:txBody>
       </p:sp>
@@ -2136,7 +2349,11 @@
               </a:spcAft>
               <a:buNone/>
             </a:pPr>
-            <a:endParaRPr/>
+            <a:r>
+              <a:rPr lang="en-US" dirty="0"/>
+              <a:t>These are the architecture and evaluation results of the baseline model which is simply made up of 1 convolutional, 1 flatten and 1 dense layer. It achieved a test accuracy of 39.33%</a:t>
+            </a:r>
+            <a:endParaRPr dirty="0"/>
           </a:p>
         </p:txBody>
       </p:sp>
@@ -2344,7 +2561,15 @@
               </a:spcAft>
               <a:buNone/>
             </a:pPr>
-            <a:endParaRPr/>
+            <a:r>
+              <a:rPr lang="en-US" dirty="0"/>
+              <a:t>These are the architecture and evaluation results for my own model. It is made up of 6 convolutional layers, 3 batch normalization layers for regularization, 3 max pooling layers to shrink the data thrice, 3 dropout layers due to the regularization, followed </a:t>
+            </a:r>
+            <a:r>
+              <a:rPr lang="en-US" b="0" dirty="0"/>
+              <a:t>by 2 flatten and 2 dense layers. The test accuracy achieved was 61.21 though I had re-run after submission and gotten a higher accuracy of 62.19%. </a:t>
+            </a:r>
+            <a:endParaRPr dirty="0"/>
           </a:p>
         </p:txBody>
       </p:sp>
@@ -22483,7 +22708,7 @@
                 <a:hlinkClick r:id="rId2">
                   <a:extLst>
                     <a:ext uri="{A12FA001-AC4F-418D-AE19-62706E023703}">
-                      <ahyp:hlinkClr xmlns:ahyp="http://schemas.microsoft.com/office/drawing/2018/hyperlinkcolor" xmlns="" val="tx"/>
+                      <ahyp:hlinkClr xmlns:ahyp="http://schemas.microsoft.com/office/drawing/2018/hyperlinkcolor" val="tx"/>
                     </a:ext>
                   </a:extLst>
                 </a:hlinkClick>
@@ -22517,7 +22742,7 @@
                 <a:hlinkClick r:id="rId3">
                   <a:extLst>
                     <a:ext uri="{A12FA001-AC4F-418D-AE19-62706E023703}">
-                      <ahyp:hlinkClr xmlns:ahyp="http://schemas.microsoft.com/office/drawing/2018/hyperlinkcolor" xmlns="" val="tx"/>
+                      <ahyp:hlinkClr xmlns:ahyp="http://schemas.microsoft.com/office/drawing/2018/hyperlinkcolor" val="tx"/>
                     </a:ext>
                   </a:extLst>
                 </a:hlinkClick>
@@ -22551,7 +22776,7 @@
                 <a:hlinkClick r:id="rId4">
                   <a:extLst>
                     <a:ext uri="{A12FA001-AC4F-418D-AE19-62706E023703}">
-                      <ahyp:hlinkClr xmlns:ahyp="http://schemas.microsoft.com/office/drawing/2018/hyperlinkcolor" xmlns="" val="tx"/>
+                      <ahyp:hlinkClr xmlns:ahyp="http://schemas.microsoft.com/office/drawing/2018/hyperlinkcolor" val="tx"/>
                     </a:ext>
                   </a:extLst>
                 </a:hlinkClick>
@@ -45086,7 +45311,7 @@
               <a:buNone/>
             </a:pPr>
             <a:r>
-              <a:rPr lang="en" dirty="0" smtClean="0"/>
+              <a:rPr lang="en" dirty="0"/>
               <a:t>Data Augmentation</a:t>
             </a:r>
             <a:endParaRPr dirty="0"/>
@@ -45309,26 +45534,13 @@
           <a:lstStyle/>
           <a:p>
             <a:r>
-              <a:rPr lang="en-US" dirty="0" smtClean="0">
+              <a:rPr lang="en-US" dirty="0">
                 <a:solidFill>
                   <a:schemeClr val="bg1"/>
                 </a:solidFill>
               </a:rPr>
-              <a:t>The highest test accuracy achieved for this model is 67% but I re-ran the model so the accuracy decreased to </a:t>
+              <a:t>The highest test accuracy achieved for this model is 67% but I re-ran the model so the accuracy decreased to 66.43%</a:t>
             </a:r>
-            <a:r>
-              <a:rPr lang="en-US" dirty="0" smtClean="0">
-                <a:solidFill>
-                  <a:schemeClr val="bg1"/>
-                </a:solidFill>
-              </a:rPr>
-              <a:t>66.43%</a:t>
-            </a:r>
-            <a:endParaRPr lang="en-US" dirty="0">
-              <a:solidFill>
-                <a:schemeClr val="bg1"/>
-              </a:solidFill>
-            </a:endParaRPr>
           </a:p>
         </p:txBody>
       </p:sp>
@@ -45534,7 +45746,7 @@
               <a:buNone/>
             </a:pPr>
             <a:r>
-              <a:rPr lang="en" sz="1700">
+              <a:rPr lang="en" sz="1700" dirty="0">
                 <a:solidFill>
                   <a:schemeClr val="lt1"/>
                 </a:solidFill>
@@ -45543,9 +45755,9 @@
                 <a:cs typeface="Big Shoulders Text Light"/>
                 <a:sym typeface="Big Shoulders Text Light"/>
               </a:rPr>
-              <a:t>Test Accuracy of 45.54% and loss of 19.42%</a:t>
+              <a:t>Test Accuracy of 45.54% and loss of 0.1942</a:t>
             </a:r>
-            <a:endParaRPr sz="1700">
+            <a:endParaRPr sz="1700" dirty="0">
               <a:solidFill>
                 <a:schemeClr val="lt1"/>
               </a:solidFill>
@@ -46226,132 +46438,6 @@
       </p:sp>
       <p:sp>
         <p:nvSpPr>
-          <p:cNvPr id="756" name="Google Shape;756;p30"/>
-          <p:cNvSpPr txBox="1">
-            <a:spLocks noGrp="1"/>
-          </p:cNvSpPr>
-          <p:nvPr>
-            <p:ph type="subTitle" idx="7"/>
-          </p:nvPr>
-        </p:nvSpPr>
-        <p:spPr>
-          <a:xfrm>
-            <a:off x="1338063" y="3930158"/>
-            <a:ext cx="2192400" cy="341400"/>
-          </a:xfrm>
-          <a:prstGeom prst="rect">
-            <a:avLst/>
-          </a:prstGeom>
-        </p:spPr>
-        <p:txBody>
-          <a:bodyPr spcFirstLastPara="1" wrap="square" lIns="91425" tIns="91425" rIns="91425" bIns="91425" anchor="ctr" anchorCtr="0">
-            <a:noAutofit/>
-          </a:bodyPr>
-          <a:lstStyle/>
-          <a:p>
-            <a:pPr marL="0" lvl="0" indent="0" algn="l" rtl="0">
-              <a:spcBef>
-                <a:spcPts val="0"/>
-              </a:spcBef>
-              <a:spcAft>
-                <a:spcPts val="0"/>
-              </a:spcAft>
-              <a:buNone/>
-            </a:pPr>
-            <a:r>
-              <a:rPr lang="en"/>
-              <a:t>Here you could describe the topic of the section</a:t>
-            </a:r>
-            <a:endParaRPr/>
-          </a:p>
-        </p:txBody>
-      </p:sp>
-      <p:sp>
-        <p:nvSpPr>
-          <p:cNvPr id="757" name="Google Shape;757;p30"/>
-          <p:cNvSpPr txBox="1">
-            <a:spLocks noGrp="1"/>
-          </p:cNvSpPr>
-          <p:nvPr>
-            <p:ph type="subTitle" idx="13"/>
-          </p:nvPr>
-        </p:nvSpPr>
-        <p:spPr>
-          <a:xfrm>
-            <a:off x="3829588" y="3930158"/>
-            <a:ext cx="2187300" cy="341400"/>
-          </a:xfrm>
-          <a:prstGeom prst="rect">
-            <a:avLst/>
-          </a:prstGeom>
-        </p:spPr>
-        <p:txBody>
-          <a:bodyPr spcFirstLastPara="1" wrap="square" lIns="91425" tIns="91425" rIns="91425" bIns="91425" anchor="ctr" anchorCtr="0">
-            <a:noAutofit/>
-          </a:bodyPr>
-          <a:lstStyle/>
-          <a:p>
-            <a:pPr marL="0" lvl="0" indent="0" algn="l" rtl="0">
-              <a:spcBef>
-                <a:spcPts val="0"/>
-              </a:spcBef>
-              <a:spcAft>
-                <a:spcPts val="0"/>
-              </a:spcAft>
-              <a:buNone/>
-            </a:pPr>
-            <a:r>
-              <a:rPr lang="en"/>
-              <a:t>Here you could describe the topic of the section</a:t>
-            </a:r>
-            <a:endParaRPr/>
-          </a:p>
-        </p:txBody>
-      </p:sp>
-      <p:sp>
-        <p:nvSpPr>
-          <p:cNvPr id="758" name="Google Shape;758;p30"/>
-          <p:cNvSpPr txBox="1">
-            <a:spLocks noGrp="1"/>
-          </p:cNvSpPr>
-          <p:nvPr>
-            <p:ph type="subTitle" idx="4"/>
-          </p:nvPr>
-        </p:nvSpPr>
-        <p:spPr>
-          <a:xfrm>
-            <a:off x="3829588" y="2255950"/>
-            <a:ext cx="2187300" cy="368100"/>
-          </a:xfrm>
-          <a:prstGeom prst="rect">
-            <a:avLst/>
-          </a:prstGeom>
-        </p:spPr>
-        <p:txBody>
-          <a:bodyPr spcFirstLastPara="1" wrap="square" lIns="91425" tIns="91425" rIns="91425" bIns="91425" anchor="ctr" anchorCtr="0">
-            <a:noAutofit/>
-          </a:bodyPr>
-          <a:lstStyle/>
-          <a:p>
-            <a:pPr marL="0" lvl="0" indent="0" algn="l" rtl="0">
-              <a:spcBef>
-                <a:spcPts val="0"/>
-              </a:spcBef>
-              <a:spcAft>
-                <a:spcPts val="0"/>
-              </a:spcAft>
-              <a:buNone/>
-            </a:pPr>
-            <a:r>
-              <a:rPr lang="en"/>
-              <a:t>Here you could describe the topic of the section</a:t>
-            </a:r>
-            <a:endParaRPr/>
-          </a:p>
-        </p:txBody>
-      </p:sp>
-      <p:sp>
-        <p:nvSpPr>
           <p:cNvPr id="759" name="Google Shape;759;p30"/>
           <p:cNvSpPr txBox="1">
             <a:spLocks noGrp="1"/>
@@ -46704,7 +46790,7 @@
               <a:buNone/>
             </a:pPr>
             <a:r>
-              <a:rPr lang="en" dirty="0" smtClean="0"/>
+              <a:rPr lang="en" dirty="0"/>
               <a:t>EDA</a:t>
             </a:r>
             <a:endParaRPr dirty="0"/>
@@ -48234,11 +48320,7 @@
             </a:pPr>
             <a:r>
               <a:rPr lang="en" dirty="0"/>
-              <a:t>Own Model </a:t>
-            </a:r>
-            <a:r>
-              <a:rPr lang="en" dirty="0" smtClean="0"/>
-              <a:t>Architecture and Evaluation</a:t>
+              <a:t>Own Model Architecture and Evaluation</a:t>
             </a:r>
             <a:endParaRPr dirty="0"/>
           </a:p>
